--- a/Report/pics/框图.pptx
+++ b/Report/pics/框图.pptx
@@ -6,6 +6,7 @@
   </p:sldMasterIdLst>
   <p:sldIdLst>
     <p:sldId id="256" r:id="rId2"/>
+    <p:sldId id="257" r:id="rId3"/>
   </p:sldIdLst>
   <p:sldSz cx="12192000" cy="6858000"/>
   <p:notesSz cx="6858000" cy="9144000"/>
@@ -112,12 +113,20 @@
 </p:presentation>
 </file>
 
+<file path=ppt/revisionInfo.xml><?xml version="1.0" encoding="utf-8"?>
+<p1510:revInfo xmlns:a="http://schemas.openxmlformats.org/drawingml/2006/main" xmlns:r="http://schemas.openxmlformats.org/officeDocument/2006/relationships" xmlns:p1510="http://schemas.microsoft.com/office/powerpoint/2015/10/main">
+  <p1510:revLst>
+    <p1510:client id="{C26F6432-BD0C-445F-944C-19DC2E1410F8}" v="28" dt="2023-04-15T15:04:49.116"/>
+  </p1510:revLst>
+</p1510:revInfo>
+</file>
+
 <file path=ppt/changesInfos/changesInfo1.xml><?xml version="1.0" encoding="utf-8"?>
 <pc:chgInfo xmlns:a="http://schemas.openxmlformats.org/drawingml/2006/main" xmlns:r="http://schemas.openxmlformats.org/officeDocument/2006/relationships" xmlns:ac="http://schemas.microsoft.com/office/drawing/2013/main/command" xmlns:pc="http://schemas.microsoft.com/office/powerpoint/2013/main/command">
   <pc:docChgLst>
     <pc:chgData name="苑 润泽" userId="0783eeab76cf4181" providerId="LiveId" clId="{C26F6432-BD0C-445F-944C-19DC2E1410F8}"/>
-    <pc:docChg chg="custSel addSld modSld">
-      <pc:chgData name="苑 润泽" userId="0783eeab76cf4181" providerId="LiveId" clId="{C26F6432-BD0C-445F-944C-19DC2E1410F8}" dt="2023-04-11T15:24:17.893" v="3" actId="208"/>
+    <pc:docChg chg="undo custSel addSld modSld">
+      <pc:chgData name="苑 润泽" userId="0783eeab76cf4181" providerId="LiveId" clId="{C26F6432-BD0C-445F-944C-19DC2E1410F8}" dt="2023-04-15T15:05:37.703" v="283" actId="14100"/>
       <pc:docMkLst>
         <pc:docMk/>
       </pc:docMkLst>
@@ -152,6 +161,301 @@
           </ac:cxnSpMkLst>
         </pc:cxnChg>
       </pc:sldChg>
+      <pc:sldChg chg="addSp delSp modSp add mod">
+        <pc:chgData name="苑 润泽" userId="0783eeab76cf4181" providerId="LiveId" clId="{C26F6432-BD0C-445F-944C-19DC2E1410F8}" dt="2023-04-15T15:05:37.703" v="283" actId="14100"/>
+        <pc:sldMkLst>
+          <pc:docMk/>
+          <pc:sldMk cId="3719257976" sldId="257"/>
+        </pc:sldMkLst>
+        <pc:spChg chg="del">
+          <ac:chgData name="苑 润泽" userId="0783eeab76cf4181" providerId="LiveId" clId="{C26F6432-BD0C-445F-944C-19DC2E1410F8}" dt="2023-04-15T14:46:55.854" v="19" actId="478"/>
+          <ac:spMkLst>
+            <pc:docMk/>
+            <pc:sldMk cId="3719257976" sldId="257"/>
+            <ac:spMk id="2" creationId="{818A97FB-80AB-B019-762E-12BEB21CCBC2}"/>
+          </ac:spMkLst>
+        </pc:spChg>
+        <pc:spChg chg="del mod">
+          <ac:chgData name="苑 润泽" userId="0783eeab76cf4181" providerId="LiveId" clId="{C26F6432-BD0C-445F-944C-19DC2E1410F8}" dt="2023-04-15T14:47:03.237" v="26" actId="478"/>
+          <ac:spMkLst>
+            <pc:docMk/>
+            <pc:sldMk cId="3719257976" sldId="257"/>
+            <ac:spMk id="3" creationId="{608117D2-7047-C951-A1B7-1ED229863999}"/>
+          </ac:spMkLst>
+        </pc:spChg>
+        <pc:spChg chg="mod">
+          <ac:chgData name="苑 润泽" userId="0783eeab76cf4181" providerId="LiveId" clId="{C26F6432-BD0C-445F-944C-19DC2E1410F8}" dt="2023-04-15T15:04:41.468" v="269" actId="1037"/>
+          <ac:spMkLst>
+            <pc:docMk/>
+            <pc:sldMk cId="3719257976" sldId="257"/>
+            <ac:spMk id="4" creationId="{C1C8C282-B658-363E-F9B4-19B5E7C361B6}"/>
+          </ac:spMkLst>
+        </pc:spChg>
+        <pc:spChg chg="mod">
+          <ac:chgData name="苑 润泽" userId="0783eeab76cf4181" providerId="LiveId" clId="{C26F6432-BD0C-445F-944C-19DC2E1410F8}" dt="2023-04-15T15:04:41.468" v="269" actId="1037"/>
+          <ac:spMkLst>
+            <pc:docMk/>
+            <pc:sldMk cId="3719257976" sldId="257"/>
+            <ac:spMk id="10" creationId="{55516A67-E488-BEC7-0F06-A29D5E9EA139}"/>
+          </ac:spMkLst>
+        </pc:spChg>
+        <pc:spChg chg="add mod">
+          <ac:chgData name="苑 润泽" userId="0783eeab76cf4181" providerId="LiveId" clId="{C26F6432-BD0C-445F-944C-19DC2E1410F8}" dt="2023-04-15T15:04:41.468" v="269" actId="1037"/>
+          <ac:spMkLst>
+            <pc:docMk/>
+            <pc:sldMk cId="3719257976" sldId="257"/>
+            <ac:spMk id="14" creationId="{B7558CA4-70EB-7CE8-AE12-C5C64FA3609C}"/>
+          </ac:spMkLst>
+        </pc:spChg>
+        <pc:spChg chg="mod">
+          <ac:chgData name="苑 润泽" userId="0783eeab76cf4181" providerId="LiveId" clId="{C26F6432-BD0C-445F-944C-19DC2E1410F8}" dt="2023-04-15T15:04:41.468" v="269" actId="1037"/>
+          <ac:spMkLst>
+            <pc:docMk/>
+            <pc:sldMk cId="3719257976" sldId="257"/>
+            <ac:spMk id="19" creationId="{AD3D1A58-E3CE-0E93-14AC-87616A85FE3B}"/>
+          </ac:spMkLst>
+        </pc:spChg>
+        <pc:spChg chg="mod">
+          <ac:chgData name="苑 润泽" userId="0783eeab76cf4181" providerId="LiveId" clId="{C26F6432-BD0C-445F-944C-19DC2E1410F8}" dt="2023-04-15T15:04:41.468" v="269" actId="1037"/>
+          <ac:spMkLst>
+            <pc:docMk/>
+            <pc:sldMk cId="3719257976" sldId="257"/>
+            <ac:spMk id="24" creationId="{D4C2B296-A727-1134-B8E9-E91BD3E76B80}"/>
+          </ac:spMkLst>
+        </pc:spChg>
+        <pc:spChg chg="add mod">
+          <ac:chgData name="苑 润泽" userId="0783eeab76cf4181" providerId="LiveId" clId="{C26F6432-BD0C-445F-944C-19DC2E1410F8}" dt="2023-04-15T15:04:41.468" v="269" actId="1037"/>
+          <ac:spMkLst>
+            <pc:docMk/>
+            <pc:sldMk cId="3719257976" sldId="257"/>
+            <ac:spMk id="33" creationId="{1F6645ED-F003-53BC-6830-4474964C4FE3}"/>
+          </ac:spMkLst>
+        </pc:spChg>
+        <pc:spChg chg="add mod">
+          <ac:chgData name="苑 润泽" userId="0783eeab76cf4181" providerId="LiveId" clId="{C26F6432-BD0C-445F-944C-19DC2E1410F8}" dt="2023-04-15T15:04:41.468" v="269" actId="1037"/>
+          <ac:spMkLst>
+            <pc:docMk/>
+            <pc:sldMk cId="3719257976" sldId="257"/>
+            <ac:spMk id="39" creationId="{D2016B00-5DB3-2996-67EE-97562CF20993}"/>
+          </ac:spMkLst>
+        </pc:spChg>
+        <pc:spChg chg="add mod">
+          <ac:chgData name="苑 润泽" userId="0783eeab76cf4181" providerId="LiveId" clId="{C26F6432-BD0C-445F-944C-19DC2E1410F8}" dt="2023-04-15T15:04:41.468" v="269" actId="1037"/>
+          <ac:spMkLst>
+            <pc:docMk/>
+            <pc:sldMk cId="3719257976" sldId="257"/>
+            <ac:spMk id="40" creationId="{0CA2CC06-1C20-B0AC-76F5-A2E16BAF4741}"/>
+          </ac:spMkLst>
+        </pc:spChg>
+        <pc:spChg chg="add mod">
+          <ac:chgData name="苑 润泽" userId="0783eeab76cf4181" providerId="LiveId" clId="{C26F6432-BD0C-445F-944C-19DC2E1410F8}" dt="2023-04-15T15:04:41.468" v="269" actId="1037"/>
+          <ac:spMkLst>
+            <pc:docMk/>
+            <pc:sldMk cId="3719257976" sldId="257"/>
+            <ac:spMk id="41" creationId="{48E012AB-CD8F-0E6C-49BC-EC9B59782A54}"/>
+          </ac:spMkLst>
+        </pc:spChg>
+        <pc:spChg chg="add mod">
+          <ac:chgData name="苑 润泽" userId="0783eeab76cf4181" providerId="LiveId" clId="{C26F6432-BD0C-445F-944C-19DC2E1410F8}" dt="2023-04-15T15:04:41.468" v="269" actId="1037"/>
+          <ac:spMkLst>
+            <pc:docMk/>
+            <pc:sldMk cId="3719257976" sldId="257"/>
+            <ac:spMk id="43" creationId="{87AE7E38-7B43-9544-EDF9-114590D9EC8A}"/>
+          </ac:spMkLst>
+        </pc:spChg>
+        <pc:spChg chg="del">
+          <ac:chgData name="苑 润泽" userId="0783eeab76cf4181" providerId="LiveId" clId="{C26F6432-BD0C-445F-944C-19DC2E1410F8}" dt="2023-04-15T14:47:00.902" v="24" actId="478"/>
+          <ac:spMkLst>
+            <pc:docMk/>
+            <pc:sldMk cId="3719257976" sldId="257"/>
+            <ac:spMk id="44" creationId="{0FA08F2C-10ED-9463-AC49-E140C07542F1}"/>
+          </ac:spMkLst>
+        </pc:spChg>
+        <pc:spChg chg="del mod">
+          <ac:chgData name="苑 润泽" userId="0783eeab76cf4181" providerId="LiveId" clId="{C26F6432-BD0C-445F-944C-19DC2E1410F8}" dt="2023-04-15T14:48:48.099" v="83" actId="478"/>
+          <ac:spMkLst>
+            <pc:docMk/>
+            <pc:sldMk cId="3719257976" sldId="257"/>
+            <ac:spMk id="45" creationId="{DEBC080A-1090-8024-5D90-1348485B7058}"/>
+          </ac:spMkLst>
+        </pc:spChg>
+        <pc:spChg chg="del mod">
+          <ac:chgData name="苑 润泽" userId="0783eeab76cf4181" providerId="LiveId" clId="{C26F6432-BD0C-445F-944C-19DC2E1410F8}" dt="2023-04-15T14:46:59.830" v="23" actId="478"/>
+          <ac:spMkLst>
+            <pc:docMk/>
+            <pc:sldMk cId="3719257976" sldId="257"/>
+            <ac:spMk id="46" creationId="{7FD3FC52-97B8-C575-4000-9B62DB19FDEA}"/>
+          </ac:spMkLst>
+        </pc:spChg>
+        <pc:spChg chg="add mod">
+          <ac:chgData name="苑 润泽" userId="0783eeab76cf4181" providerId="LiveId" clId="{C26F6432-BD0C-445F-944C-19DC2E1410F8}" dt="2023-04-15T15:02:07.909" v="106" actId="571"/>
+          <ac:spMkLst>
+            <pc:docMk/>
+            <pc:sldMk cId="3719257976" sldId="257"/>
+            <ac:spMk id="47" creationId="{F6D371F5-4BD9-17EA-9209-F8F2B6C1D8E1}"/>
+          </ac:spMkLst>
+        </pc:spChg>
+        <pc:spChg chg="add mod">
+          <ac:chgData name="苑 润泽" userId="0783eeab76cf4181" providerId="LiveId" clId="{C26F6432-BD0C-445F-944C-19DC2E1410F8}" dt="2023-04-15T15:02:14.123" v="109" actId="571"/>
+          <ac:spMkLst>
+            <pc:docMk/>
+            <pc:sldMk cId="3719257976" sldId="257"/>
+            <ac:spMk id="49" creationId="{57A4E4D7-C23D-32F4-93AC-3B37B19C6B1C}"/>
+          </ac:spMkLst>
+        </pc:spChg>
+        <pc:spChg chg="add mod">
+          <ac:chgData name="苑 润泽" userId="0783eeab76cf4181" providerId="LiveId" clId="{C26F6432-BD0C-445F-944C-19DC2E1410F8}" dt="2023-04-15T15:04:41.468" v="269" actId="1037"/>
+          <ac:spMkLst>
+            <pc:docMk/>
+            <pc:sldMk cId="3719257976" sldId="257"/>
+            <ac:spMk id="53" creationId="{91ECD9CC-55B4-A9A6-FFFD-4213228EA9E4}"/>
+          </ac:spMkLst>
+        </pc:spChg>
+        <pc:spChg chg="add mod">
+          <ac:chgData name="苑 润泽" userId="0783eeab76cf4181" providerId="LiveId" clId="{C26F6432-BD0C-445F-944C-19DC2E1410F8}" dt="2023-04-15T15:04:00.435" v="174" actId="571"/>
+          <ac:spMkLst>
+            <pc:docMk/>
+            <pc:sldMk cId="3719257976" sldId="257"/>
+            <ac:spMk id="68" creationId="{BA4956C8-7CB7-6E95-100A-7B0ACB572AB2}"/>
+          </ac:spMkLst>
+        </pc:spChg>
+        <pc:spChg chg="add mod">
+          <ac:chgData name="苑 润泽" userId="0783eeab76cf4181" providerId="LiveId" clId="{C26F6432-BD0C-445F-944C-19DC2E1410F8}" dt="2023-04-15T15:04:41.468" v="269" actId="1037"/>
+          <ac:spMkLst>
+            <pc:docMk/>
+            <pc:sldMk cId="3719257976" sldId="257"/>
+            <ac:spMk id="73" creationId="{633B3A8C-32B6-2D38-3EED-401155DD275B}"/>
+          </ac:spMkLst>
+        </pc:spChg>
+        <pc:spChg chg="add mod">
+          <ac:chgData name="苑 润泽" userId="0783eeab76cf4181" providerId="LiveId" clId="{C26F6432-BD0C-445F-944C-19DC2E1410F8}" dt="2023-04-15T15:04:45.617" v="271" actId="571"/>
+          <ac:spMkLst>
+            <pc:docMk/>
+            <pc:sldMk cId="3719257976" sldId="257"/>
+            <ac:spMk id="75" creationId="{CCC25AB1-9F8E-B42E-81AA-D96D19B9F73A}"/>
+          </ac:spMkLst>
+        </pc:spChg>
+        <pc:spChg chg="add mod">
+          <ac:chgData name="苑 润泽" userId="0783eeab76cf4181" providerId="LiveId" clId="{C26F6432-BD0C-445F-944C-19DC2E1410F8}" dt="2023-04-15T15:04:52.358" v="278" actId="20577"/>
+          <ac:spMkLst>
+            <pc:docMk/>
+            <pc:sldMk cId="3719257976" sldId="257"/>
+            <ac:spMk id="77" creationId="{4C07CC83-5656-5DA6-1E24-8A7D7F5C7699}"/>
+          </ac:spMkLst>
+        </pc:spChg>
+        <pc:cxnChg chg="del mod">
+          <ac:chgData name="苑 润泽" userId="0783eeab76cf4181" providerId="LiveId" clId="{C26F6432-BD0C-445F-944C-19DC2E1410F8}" dt="2023-04-15T15:05:22.936" v="279" actId="478"/>
+          <ac:cxnSpMkLst>
+            <pc:docMk/>
+            <pc:sldMk cId="3719257976" sldId="257"/>
+            <ac:cxnSpMk id="5" creationId="{F7E5EE13-291E-D11A-2B40-849F83DB9DEC}"/>
+          </ac:cxnSpMkLst>
+        </pc:cxnChg>
+        <pc:cxnChg chg="del mod">
+          <ac:chgData name="苑 润泽" userId="0783eeab76cf4181" providerId="LiveId" clId="{C26F6432-BD0C-445F-944C-19DC2E1410F8}" dt="2023-04-15T14:47:07.310" v="28" actId="478"/>
+          <ac:cxnSpMkLst>
+            <pc:docMk/>
+            <pc:sldMk cId="3719257976" sldId="257"/>
+            <ac:cxnSpMk id="6" creationId="{D56ED015-F6C6-3F14-2618-C0605CDBB24A}"/>
+          </ac:cxnSpMkLst>
+        </pc:cxnChg>
+        <pc:cxnChg chg="del mod">
+          <ac:chgData name="苑 润泽" userId="0783eeab76cf4181" providerId="LiveId" clId="{C26F6432-BD0C-445F-944C-19DC2E1410F8}" dt="2023-04-15T14:47:35.458" v="37" actId="478"/>
+          <ac:cxnSpMkLst>
+            <pc:docMk/>
+            <pc:sldMk cId="3719257976" sldId="257"/>
+            <ac:cxnSpMk id="11" creationId="{E4BCE52A-4AB4-365F-B268-17301E38B079}"/>
+          </ac:cxnSpMkLst>
+        </pc:cxnChg>
+        <pc:cxnChg chg="add mod">
+          <ac:chgData name="苑 润泽" userId="0783eeab76cf4181" providerId="LiveId" clId="{C26F6432-BD0C-445F-944C-19DC2E1410F8}" dt="2023-04-15T15:04:41.468" v="269" actId="1037"/>
+          <ac:cxnSpMkLst>
+            <pc:docMk/>
+            <pc:sldMk cId="3719257976" sldId="257"/>
+            <ac:cxnSpMk id="15" creationId="{72130FA3-E91B-9DC6-A811-6F1EE8AB0A62}"/>
+          </ac:cxnSpMkLst>
+        </pc:cxnChg>
+        <pc:cxnChg chg="mod">
+          <ac:chgData name="苑 润泽" userId="0783eeab76cf4181" providerId="LiveId" clId="{C26F6432-BD0C-445F-944C-19DC2E1410F8}" dt="2023-04-15T15:04:41.468" v="269" actId="1037"/>
+          <ac:cxnSpMkLst>
+            <pc:docMk/>
+            <pc:sldMk cId="3719257976" sldId="257"/>
+            <ac:cxnSpMk id="21" creationId="{B86E1904-8FDC-36E6-8E3F-389E32477B4F}"/>
+          </ac:cxnSpMkLst>
+        </pc:cxnChg>
+        <pc:cxnChg chg="add mod">
+          <ac:chgData name="苑 润泽" userId="0783eeab76cf4181" providerId="LiveId" clId="{C26F6432-BD0C-445F-944C-19DC2E1410F8}" dt="2023-04-15T15:04:41.468" v="269" actId="1037"/>
+          <ac:cxnSpMkLst>
+            <pc:docMk/>
+            <pc:sldMk cId="3719257976" sldId="257"/>
+            <ac:cxnSpMk id="23" creationId="{41477E81-424E-9A53-E48C-4E49DF19D3FC}"/>
+          </ac:cxnSpMkLst>
+        </pc:cxnChg>
+        <pc:cxnChg chg="del mod">
+          <ac:chgData name="苑 润泽" userId="0783eeab76cf4181" providerId="LiveId" clId="{C26F6432-BD0C-445F-944C-19DC2E1410F8}" dt="2023-04-15T14:46:56.539" v="20" actId="478"/>
+          <ac:cxnSpMkLst>
+            <pc:docMk/>
+            <pc:sldMk cId="3719257976" sldId="257"/>
+            <ac:cxnSpMk id="29" creationId="{1EFDA94E-56AD-F759-7E7E-166BAD1FBC7C}"/>
+          </ac:cxnSpMkLst>
+        </pc:cxnChg>
+        <pc:cxnChg chg="add mod">
+          <ac:chgData name="苑 润泽" userId="0783eeab76cf4181" providerId="LiveId" clId="{C26F6432-BD0C-445F-944C-19DC2E1410F8}" dt="2023-04-15T15:04:41.468" v="269" actId="1037"/>
+          <ac:cxnSpMkLst>
+            <pc:docMk/>
+            <pc:sldMk cId="3719257976" sldId="257"/>
+            <ac:cxnSpMk id="36" creationId="{76FB0BB1-9BF2-3F6D-67E1-E0A8BE687DBA}"/>
+          </ac:cxnSpMkLst>
+        </pc:cxnChg>
+        <pc:cxnChg chg="add mod">
+          <ac:chgData name="苑 润泽" userId="0783eeab76cf4181" providerId="LiveId" clId="{C26F6432-BD0C-445F-944C-19DC2E1410F8}" dt="2023-04-15T15:02:14.123" v="109" actId="571"/>
+          <ac:cxnSpMkLst>
+            <pc:docMk/>
+            <pc:sldMk cId="3719257976" sldId="257"/>
+            <ac:cxnSpMk id="48" creationId="{2FB15E9D-774C-9960-58CF-2F590750A2D6}"/>
+          </ac:cxnSpMkLst>
+        </pc:cxnChg>
+        <pc:cxnChg chg="add mod">
+          <ac:chgData name="苑 润泽" userId="0783eeab76cf4181" providerId="LiveId" clId="{C26F6432-BD0C-445F-944C-19DC2E1410F8}" dt="2023-04-15T15:04:41.468" v="269" actId="1037"/>
+          <ac:cxnSpMkLst>
+            <pc:docMk/>
+            <pc:sldMk cId="3719257976" sldId="257"/>
+            <ac:cxnSpMk id="50" creationId="{E35CCBC0-DB86-9C8C-5629-D5BC649F1538}"/>
+          </ac:cxnSpMkLst>
+        </pc:cxnChg>
+        <pc:cxnChg chg="add del mod">
+          <ac:chgData name="苑 润泽" userId="0783eeab76cf4181" providerId="LiveId" clId="{C26F6432-BD0C-445F-944C-19DC2E1410F8}" dt="2023-04-15T15:03:14.503" v="142" actId="478"/>
+          <ac:cxnSpMkLst>
+            <pc:docMk/>
+            <pc:sldMk cId="3719257976" sldId="257"/>
+            <ac:cxnSpMk id="54" creationId="{C4A16D62-A31A-6876-85DE-31FF1C54E3E5}"/>
+          </ac:cxnSpMkLst>
+        </pc:cxnChg>
+        <pc:cxnChg chg="add mod">
+          <ac:chgData name="苑 润泽" userId="0783eeab76cf4181" providerId="LiveId" clId="{C26F6432-BD0C-445F-944C-19DC2E1410F8}" dt="2023-04-15T15:04:41.468" v="269" actId="1037"/>
+          <ac:cxnSpMkLst>
+            <pc:docMk/>
+            <pc:sldMk cId="3719257976" sldId="257"/>
+            <ac:cxnSpMk id="64" creationId="{0A27921D-1398-5175-A9EF-F07F70CACB54}"/>
+          </ac:cxnSpMkLst>
+        </pc:cxnChg>
+        <pc:cxnChg chg="add mod">
+          <ac:chgData name="苑 润泽" userId="0783eeab76cf4181" providerId="LiveId" clId="{C26F6432-BD0C-445F-944C-19DC2E1410F8}" dt="2023-04-15T15:04:41.468" v="269" actId="1037"/>
+          <ac:cxnSpMkLst>
+            <pc:docMk/>
+            <pc:sldMk cId="3719257976" sldId="257"/>
+            <ac:cxnSpMk id="69" creationId="{153D2EBE-B949-2A60-7D16-D3A271C10B2E}"/>
+          </ac:cxnSpMkLst>
+        </pc:cxnChg>
+        <pc:cxnChg chg="add mod">
+          <ac:chgData name="苑 润泽" userId="0783eeab76cf4181" providerId="LiveId" clId="{C26F6432-BD0C-445F-944C-19DC2E1410F8}" dt="2023-04-15T15:05:37.703" v="283" actId="14100"/>
+          <ac:cxnSpMkLst>
+            <pc:docMk/>
+            <pc:sldMk cId="3719257976" sldId="257"/>
+            <ac:cxnSpMk id="79" creationId="{FEA703D5-B385-A2C4-3FBE-0F504D9D9D99}"/>
+          </ac:cxnSpMkLst>
+        </pc:cxnChg>
+      </pc:sldChg>
     </pc:docChg>
   </pc:docChgLst>
 </pc:chgInfo>
@@ -304,7 +608,7 @@
           <a:p>
             <a:fld id="{BAC91C34-6639-4DD4-900A-63F16846AAE4}" type="datetimeFigureOut">
               <a:rPr lang="zh-CN" altLang="en-US" smtClean="0"/>
-              <a:t>2023/4/11</a:t>
+              <a:t>2023/4/15</a:t>
             </a:fld>
             <a:endParaRPr lang="zh-CN" altLang="en-US"/>
           </a:p>
@@ -502,7 +806,7 @@
           <a:p>
             <a:fld id="{BAC91C34-6639-4DD4-900A-63F16846AAE4}" type="datetimeFigureOut">
               <a:rPr lang="zh-CN" altLang="en-US" smtClean="0"/>
-              <a:t>2023/4/11</a:t>
+              <a:t>2023/4/15</a:t>
             </a:fld>
             <a:endParaRPr lang="zh-CN" altLang="en-US"/>
           </a:p>
@@ -710,7 +1014,7 @@
           <a:p>
             <a:fld id="{BAC91C34-6639-4DD4-900A-63F16846AAE4}" type="datetimeFigureOut">
               <a:rPr lang="zh-CN" altLang="en-US" smtClean="0"/>
-              <a:t>2023/4/11</a:t>
+              <a:t>2023/4/15</a:t>
             </a:fld>
             <a:endParaRPr lang="zh-CN" altLang="en-US"/>
           </a:p>
@@ -908,7 +1212,7 @@
           <a:p>
             <a:fld id="{BAC91C34-6639-4DD4-900A-63F16846AAE4}" type="datetimeFigureOut">
               <a:rPr lang="zh-CN" altLang="en-US" smtClean="0"/>
-              <a:t>2023/4/11</a:t>
+              <a:t>2023/4/15</a:t>
             </a:fld>
             <a:endParaRPr lang="zh-CN" altLang="en-US"/>
           </a:p>
@@ -1183,7 +1487,7 @@
           <a:p>
             <a:fld id="{BAC91C34-6639-4DD4-900A-63F16846AAE4}" type="datetimeFigureOut">
               <a:rPr lang="zh-CN" altLang="en-US" smtClean="0"/>
-              <a:t>2023/4/11</a:t>
+              <a:t>2023/4/15</a:t>
             </a:fld>
             <a:endParaRPr lang="zh-CN" altLang="en-US"/>
           </a:p>
@@ -1448,7 +1752,7 @@
           <a:p>
             <a:fld id="{BAC91C34-6639-4DD4-900A-63F16846AAE4}" type="datetimeFigureOut">
               <a:rPr lang="zh-CN" altLang="en-US" smtClean="0"/>
-              <a:t>2023/4/11</a:t>
+              <a:t>2023/4/15</a:t>
             </a:fld>
             <a:endParaRPr lang="zh-CN" altLang="en-US"/>
           </a:p>
@@ -1860,7 +2164,7 @@
           <a:p>
             <a:fld id="{BAC91C34-6639-4DD4-900A-63F16846AAE4}" type="datetimeFigureOut">
               <a:rPr lang="zh-CN" altLang="en-US" smtClean="0"/>
-              <a:t>2023/4/11</a:t>
+              <a:t>2023/4/15</a:t>
             </a:fld>
             <a:endParaRPr lang="zh-CN" altLang="en-US"/>
           </a:p>
@@ -2001,7 +2305,7 @@
           <a:p>
             <a:fld id="{BAC91C34-6639-4DD4-900A-63F16846AAE4}" type="datetimeFigureOut">
               <a:rPr lang="zh-CN" altLang="en-US" smtClean="0"/>
-              <a:t>2023/4/11</a:t>
+              <a:t>2023/4/15</a:t>
             </a:fld>
             <a:endParaRPr lang="zh-CN" altLang="en-US"/>
           </a:p>
@@ -2114,7 +2418,7 @@
           <a:p>
             <a:fld id="{BAC91C34-6639-4DD4-900A-63F16846AAE4}" type="datetimeFigureOut">
               <a:rPr lang="zh-CN" altLang="en-US" smtClean="0"/>
-              <a:t>2023/4/11</a:t>
+              <a:t>2023/4/15</a:t>
             </a:fld>
             <a:endParaRPr lang="zh-CN" altLang="en-US"/>
           </a:p>
@@ -2425,7 +2729,7 @@
           <a:p>
             <a:fld id="{BAC91C34-6639-4DD4-900A-63F16846AAE4}" type="datetimeFigureOut">
               <a:rPr lang="zh-CN" altLang="en-US" smtClean="0"/>
-              <a:t>2023/4/11</a:t>
+              <a:t>2023/4/15</a:t>
             </a:fld>
             <a:endParaRPr lang="zh-CN" altLang="en-US"/>
           </a:p>
@@ -2713,7 +3017,7 @@
           <a:p>
             <a:fld id="{BAC91C34-6639-4DD4-900A-63F16846AAE4}" type="datetimeFigureOut">
               <a:rPr lang="zh-CN" altLang="en-US" smtClean="0"/>
-              <a:t>2023/4/11</a:t>
+              <a:t>2023/4/15</a:t>
             </a:fld>
             <a:endParaRPr lang="zh-CN" altLang="en-US"/>
           </a:p>
@@ -2954,7 +3258,7 @@
           <a:p>
             <a:fld id="{BAC91C34-6639-4DD4-900A-63F16846AAE4}" type="datetimeFigureOut">
               <a:rPr lang="zh-CN" altLang="en-US" smtClean="0"/>
-              <a:t>2023/4/11</a:t>
+              <a:t>2023/4/15</a:t>
             </a:fld>
             <a:endParaRPr lang="zh-CN" altLang="en-US"/>
           </a:p>
@@ -4141,6 +4445,1215 @@
 </p:sld>
 </file>
 
+<file path=ppt/slides/slide2.xml><?xml version="1.0" encoding="utf-8"?>
+<p:sld xmlns:a="http://schemas.openxmlformats.org/drawingml/2006/main" xmlns:r="http://schemas.openxmlformats.org/officeDocument/2006/relationships" xmlns:p="http://schemas.openxmlformats.org/presentationml/2006/main">
+  <p:cSld>
+    <p:spTree>
+      <p:nvGrpSpPr>
+        <p:cNvPr id="1" name=""/>
+        <p:cNvGrpSpPr/>
+        <p:nvPr/>
+      </p:nvGrpSpPr>
+      <p:grpSpPr>
+        <a:xfrm>
+          <a:off x="0" y="0"/>
+          <a:ext cx="0" cy="0"/>
+          <a:chOff x="0" y="0"/>
+          <a:chExt cx="0" cy="0"/>
+        </a:xfrm>
+      </p:grpSpPr>
+      <p:sp>
+        <p:nvSpPr>
+          <p:cNvPr id="4" name="矩形 3">
+            <a:extLst>
+              <a:ext uri="{FF2B5EF4-FFF2-40B4-BE49-F238E27FC236}">
+                <a16:creationId xmlns:a16="http://schemas.microsoft.com/office/drawing/2014/main" id="{C1C8C282-B658-363E-F9B4-19B5E7C361B6}"/>
+              </a:ext>
+            </a:extLst>
+          </p:cNvPr>
+          <p:cNvSpPr/>
+          <p:nvPr/>
+        </p:nvSpPr>
+        <p:spPr>
+          <a:xfrm>
+            <a:off x="1879091" y="2757286"/>
+            <a:ext cx="668595" cy="511717"/>
+          </a:xfrm>
+          <a:prstGeom prst="rect">
+            <a:avLst/>
+          </a:prstGeom>
+          <a:solidFill>
+            <a:schemeClr val="bg1"/>
+          </a:solidFill>
+          <a:ln>
+            <a:solidFill>
+              <a:schemeClr val="tx1"/>
+            </a:solidFill>
+          </a:ln>
+        </p:spPr>
+        <p:style>
+          <a:lnRef idx="2">
+            <a:schemeClr val="accent1">
+              <a:shade val="50000"/>
+            </a:schemeClr>
+          </a:lnRef>
+          <a:fillRef idx="1">
+            <a:schemeClr val="accent1"/>
+          </a:fillRef>
+          <a:effectRef idx="0">
+            <a:schemeClr val="accent1"/>
+          </a:effectRef>
+          <a:fontRef idx="minor">
+            <a:schemeClr val="lt1"/>
+          </a:fontRef>
+        </p:style>
+        <p:txBody>
+          <a:bodyPr rtlCol="0" anchor="ctr"/>
+          <a:lstStyle/>
+          <a:p>
+            <a:pPr algn="ctr"/>
+            <a:r>
+              <a:rPr lang="en-US" altLang="zh-CN" dirty="0">
+                <a:solidFill>
+                  <a:schemeClr val="tx1"/>
+                </a:solidFill>
+                <a:latin typeface="Times New Roman" panose="02020603050405020304" pitchFamily="18" charset="0"/>
+                <a:cs typeface="Times New Roman" panose="02020603050405020304" pitchFamily="18" charset="0"/>
+              </a:rPr>
+              <a:t>S/H</a:t>
+            </a:r>
+            <a:endParaRPr lang="zh-CN" altLang="en-US" dirty="0">
+              <a:solidFill>
+                <a:schemeClr val="tx1"/>
+              </a:solidFill>
+              <a:latin typeface="Times New Roman" panose="02020603050405020304" pitchFamily="18" charset="0"/>
+              <a:cs typeface="Times New Roman" panose="02020603050405020304" pitchFamily="18" charset="0"/>
+            </a:endParaRPr>
+          </a:p>
+        </p:txBody>
+      </p:sp>
+      <p:sp>
+        <p:nvSpPr>
+          <p:cNvPr id="10" name="矩形 9">
+            <a:extLst>
+              <a:ext uri="{FF2B5EF4-FFF2-40B4-BE49-F238E27FC236}">
+                <a16:creationId xmlns:a16="http://schemas.microsoft.com/office/drawing/2014/main" id="{55516A67-E488-BEC7-0F06-A29D5E9EA139}"/>
+              </a:ext>
+            </a:extLst>
+          </p:cNvPr>
+          <p:cNvSpPr/>
+          <p:nvPr/>
+        </p:nvSpPr>
+        <p:spPr>
+          <a:xfrm>
+            <a:off x="4044597" y="2757286"/>
+            <a:ext cx="1252204" cy="511717"/>
+          </a:xfrm>
+          <a:prstGeom prst="rect">
+            <a:avLst/>
+          </a:prstGeom>
+          <a:solidFill>
+            <a:schemeClr val="bg1"/>
+          </a:solidFill>
+          <a:ln>
+            <a:solidFill>
+              <a:schemeClr val="tx1"/>
+            </a:solidFill>
+          </a:ln>
+        </p:spPr>
+        <p:style>
+          <a:lnRef idx="2">
+            <a:schemeClr val="accent1">
+              <a:shade val="50000"/>
+            </a:schemeClr>
+          </a:lnRef>
+          <a:fillRef idx="1">
+            <a:schemeClr val="accent1"/>
+          </a:fillRef>
+          <a:effectRef idx="0">
+            <a:schemeClr val="accent1"/>
+          </a:effectRef>
+          <a:fontRef idx="minor">
+            <a:schemeClr val="lt1"/>
+          </a:fontRef>
+        </p:style>
+        <p:txBody>
+          <a:bodyPr rtlCol="0" anchor="ctr"/>
+          <a:lstStyle/>
+          <a:p>
+            <a:pPr algn="ctr"/>
+            <a:r>
+              <a:rPr lang="en-US" altLang="zh-CN" dirty="0">
+                <a:solidFill>
+                  <a:schemeClr val="tx1"/>
+                </a:solidFill>
+                <a:latin typeface="Times New Roman" panose="02020603050405020304" pitchFamily="18" charset="0"/>
+                <a:cs typeface="Times New Roman" panose="02020603050405020304" pitchFamily="18" charset="0"/>
+              </a:rPr>
+              <a:t>Computing</a:t>
+            </a:r>
+            <a:endParaRPr lang="zh-CN" altLang="en-US" dirty="0">
+              <a:solidFill>
+                <a:schemeClr val="tx1"/>
+              </a:solidFill>
+              <a:latin typeface="Times New Roman" panose="02020603050405020304" pitchFamily="18" charset="0"/>
+              <a:cs typeface="Times New Roman" panose="02020603050405020304" pitchFamily="18" charset="0"/>
+            </a:endParaRPr>
+          </a:p>
+        </p:txBody>
+      </p:sp>
+      <p:sp>
+        <p:nvSpPr>
+          <p:cNvPr id="19" name="矩形 18">
+            <a:extLst>
+              <a:ext uri="{FF2B5EF4-FFF2-40B4-BE49-F238E27FC236}">
+                <a16:creationId xmlns:a16="http://schemas.microsoft.com/office/drawing/2014/main" id="{AD3D1A58-E3CE-0E93-14AC-87616A85FE3B}"/>
+              </a:ext>
+            </a:extLst>
+          </p:cNvPr>
+          <p:cNvSpPr/>
+          <p:nvPr/>
+        </p:nvSpPr>
+        <p:spPr>
+          <a:xfrm>
+            <a:off x="736713" y="2371432"/>
+            <a:ext cx="1252204" cy="511717"/>
+          </a:xfrm>
+          <a:prstGeom prst="rect">
+            <a:avLst/>
+          </a:prstGeom>
+          <a:noFill/>
+          <a:ln>
+            <a:noFill/>
+          </a:ln>
+        </p:spPr>
+        <p:style>
+          <a:lnRef idx="2">
+            <a:schemeClr val="accent1">
+              <a:shade val="50000"/>
+            </a:schemeClr>
+          </a:lnRef>
+          <a:fillRef idx="1">
+            <a:schemeClr val="accent1"/>
+          </a:fillRef>
+          <a:effectRef idx="0">
+            <a:schemeClr val="accent1"/>
+          </a:effectRef>
+          <a:fontRef idx="minor">
+            <a:schemeClr val="lt1"/>
+          </a:fontRef>
+        </p:style>
+        <p:txBody>
+          <a:bodyPr rtlCol="0" anchor="ctr"/>
+          <a:lstStyle/>
+          <a:p>
+            <a:pPr algn="ctr"/>
+            <a:r>
+              <a:rPr lang="en-US" altLang="zh-CN" dirty="0">
+                <a:solidFill>
+                  <a:schemeClr val="tx1"/>
+                </a:solidFill>
+                <a:latin typeface="Times New Roman" panose="02020603050405020304" pitchFamily="18" charset="0"/>
+                <a:cs typeface="Times New Roman" panose="02020603050405020304" pitchFamily="18" charset="0"/>
+              </a:rPr>
+              <a:t>System Output</a:t>
+            </a:r>
+            <a:endParaRPr lang="zh-CN" altLang="en-US" dirty="0">
+              <a:solidFill>
+                <a:schemeClr val="tx1"/>
+              </a:solidFill>
+              <a:latin typeface="Times New Roman" panose="02020603050405020304" pitchFamily="18" charset="0"/>
+              <a:cs typeface="Times New Roman" panose="02020603050405020304" pitchFamily="18" charset="0"/>
+            </a:endParaRPr>
+          </a:p>
+        </p:txBody>
+      </p:sp>
+      <p:cxnSp>
+        <p:nvCxnSpPr>
+          <p:cNvPr id="21" name="直接箭头连接符 20">
+            <a:extLst>
+              <a:ext uri="{FF2B5EF4-FFF2-40B4-BE49-F238E27FC236}">
+                <a16:creationId xmlns:a16="http://schemas.microsoft.com/office/drawing/2014/main" id="{B86E1904-8FDC-36E6-8E3F-389E32477B4F}"/>
+              </a:ext>
+            </a:extLst>
+          </p:cNvPr>
+          <p:cNvCxnSpPr>
+            <a:cxnSpLocks/>
+            <a:stCxn id="14" idx="3"/>
+            <a:endCxn id="10" idx="1"/>
+          </p:cNvCxnSpPr>
+          <p:nvPr/>
+        </p:nvCxnSpPr>
+        <p:spPr>
+          <a:xfrm>
+            <a:off x="3630439" y="3013145"/>
+            <a:ext cx="414158" cy="0"/>
+          </a:xfrm>
+          <a:prstGeom prst="straightConnector1">
+            <a:avLst/>
+          </a:prstGeom>
+          <a:ln>
+            <a:solidFill>
+              <a:schemeClr val="tx1"/>
+            </a:solidFill>
+            <a:tailEnd type="triangle"/>
+          </a:ln>
+        </p:spPr>
+        <p:style>
+          <a:lnRef idx="1">
+            <a:schemeClr val="accent1"/>
+          </a:lnRef>
+          <a:fillRef idx="0">
+            <a:schemeClr val="accent1"/>
+          </a:fillRef>
+          <a:effectRef idx="0">
+            <a:schemeClr val="accent1"/>
+          </a:effectRef>
+          <a:fontRef idx="minor">
+            <a:schemeClr val="tx1"/>
+          </a:fontRef>
+        </p:style>
+      </p:cxnSp>
+      <p:sp>
+        <p:nvSpPr>
+          <p:cNvPr id="24" name="矩形 23">
+            <a:extLst>
+              <a:ext uri="{FF2B5EF4-FFF2-40B4-BE49-F238E27FC236}">
+                <a16:creationId xmlns:a16="http://schemas.microsoft.com/office/drawing/2014/main" id="{D4C2B296-A727-1134-B8E9-E91BD3E76B80}"/>
+              </a:ext>
+            </a:extLst>
+          </p:cNvPr>
+          <p:cNvSpPr/>
+          <p:nvPr/>
+        </p:nvSpPr>
+        <p:spPr>
+          <a:xfrm>
+            <a:off x="5371580" y="2353592"/>
+            <a:ext cx="1252204" cy="511717"/>
+          </a:xfrm>
+          <a:prstGeom prst="rect">
+            <a:avLst/>
+          </a:prstGeom>
+          <a:noFill/>
+          <a:ln>
+            <a:noFill/>
+          </a:ln>
+        </p:spPr>
+        <p:style>
+          <a:lnRef idx="2">
+            <a:schemeClr val="accent1">
+              <a:shade val="50000"/>
+            </a:schemeClr>
+          </a:lnRef>
+          <a:fillRef idx="1">
+            <a:schemeClr val="accent1"/>
+          </a:fillRef>
+          <a:effectRef idx="0">
+            <a:schemeClr val="accent1"/>
+          </a:effectRef>
+          <a:fontRef idx="minor">
+            <a:schemeClr val="lt1"/>
+          </a:fontRef>
+        </p:style>
+        <p:txBody>
+          <a:bodyPr rtlCol="0" anchor="ctr"/>
+          <a:lstStyle/>
+          <a:p>
+            <a:pPr algn="ctr"/>
+            <a:r>
+              <a:rPr lang="en-US" altLang="zh-CN" dirty="0">
+                <a:solidFill>
+                  <a:schemeClr val="tx1"/>
+                </a:solidFill>
+                <a:latin typeface="Times New Roman" panose="02020603050405020304" pitchFamily="18" charset="0"/>
+                <a:cs typeface="Times New Roman" panose="02020603050405020304" pitchFamily="18" charset="0"/>
+              </a:rPr>
+              <a:t>State Feedback</a:t>
+            </a:r>
+            <a:endParaRPr lang="zh-CN" altLang="en-US" dirty="0">
+              <a:solidFill>
+                <a:schemeClr val="tx1"/>
+              </a:solidFill>
+              <a:latin typeface="Times New Roman" panose="02020603050405020304" pitchFamily="18" charset="0"/>
+              <a:cs typeface="Times New Roman" panose="02020603050405020304" pitchFamily="18" charset="0"/>
+            </a:endParaRPr>
+          </a:p>
+        </p:txBody>
+      </p:sp>
+      <p:sp>
+        <p:nvSpPr>
+          <p:cNvPr id="14" name="矩形 13">
+            <a:extLst>
+              <a:ext uri="{FF2B5EF4-FFF2-40B4-BE49-F238E27FC236}">
+                <a16:creationId xmlns:a16="http://schemas.microsoft.com/office/drawing/2014/main" id="{B7558CA4-70EB-7CE8-AE12-C5C64FA3609C}"/>
+              </a:ext>
+            </a:extLst>
+          </p:cNvPr>
+          <p:cNvSpPr/>
+          <p:nvPr/>
+        </p:nvSpPr>
+        <p:spPr>
+          <a:xfrm>
+            <a:off x="2961844" y="2757286"/>
+            <a:ext cx="668595" cy="511717"/>
+          </a:xfrm>
+          <a:prstGeom prst="rect">
+            <a:avLst/>
+          </a:prstGeom>
+          <a:solidFill>
+            <a:schemeClr val="bg1"/>
+          </a:solidFill>
+          <a:ln>
+            <a:solidFill>
+              <a:schemeClr val="tx1"/>
+            </a:solidFill>
+          </a:ln>
+        </p:spPr>
+        <p:style>
+          <a:lnRef idx="2">
+            <a:schemeClr val="accent1">
+              <a:shade val="50000"/>
+            </a:schemeClr>
+          </a:lnRef>
+          <a:fillRef idx="1">
+            <a:schemeClr val="accent1"/>
+          </a:fillRef>
+          <a:effectRef idx="0">
+            <a:schemeClr val="accent1"/>
+          </a:effectRef>
+          <a:fontRef idx="minor">
+            <a:schemeClr val="lt1"/>
+          </a:fontRef>
+        </p:style>
+        <p:txBody>
+          <a:bodyPr rtlCol="0" anchor="ctr"/>
+          <a:lstStyle/>
+          <a:p>
+            <a:pPr algn="ctr"/>
+            <a:r>
+              <a:rPr lang="en-US" altLang="zh-CN" dirty="0">
+                <a:solidFill>
+                  <a:schemeClr val="tx1"/>
+                </a:solidFill>
+                <a:latin typeface="Times New Roman" panose="02020603050405020304" pitchFamily="18" charset="0"/>
+                <a:cs typeface="Times New Roman" panose="02020603050405020304" pitchFamily="18" charset="0"/>
+              </a:rPr>
+              <a:t>ADC</a:t>
+            </a:r>
+            <a:endParaRPr lang="zh-CN" altLang="en-US" dirty="0">
+              <a:solidFill>
+                <a:schemeClr val="tx1"/>
+              </a:solidFill>
+              <a:latin typeface="Times New Roman" panose="02020603050405020304" pitchFamily="18" charset="0"/>
+              <a:cs typeface="Times New Roman" panose="02020603050405020304" pitchFamily="18" charset="0"/>
+            </a:endParaRPr>
+          </a:p>
+        </p:txBody>
+      </p:sp>
+      <p:cxnSp>
+        <p:nvCxnSpPr>
+          <p:cNvPr id="15" name="直接箭头连接符 14">
+            <a:extLst>
+              <a:ext uri="{FF2B5EF4-FFF2-40B4-BE49-F238E27FC236}">
+                <a16:creationId xmlns:a16="http://schemas.microsoft.com/office/drawing/2014/main" id="{72130FA3-E91B-9DC6-A811-6F1EE8AB0A62}"/>
+              </a:ext>
+            </a:extLst>
+          </p:cNvPr>
+          <p:cNvCxnSpPr>
+            <a:cxnSpLocks/>
+            <a:stCxn id="4" idx="3"/>
+            <a:endCxn id="14" idx="1"/>
+          </p:cNvCxnSpPr>
+          <p:nvPr/>
+        </p:nvCxnSpPr>
+        <p:spPr>
+          <a:xfrm>
+            <a:off x="2547686" y="3013145"/>
+            <a:ext cx="414158" cy="0"/>
+          </a:xfrm>
+          <a:prstGeom prst="straightConnector1">
+            <a:avLst/>
+          </a:prstGeom>
+          <a:ln>
+            <a:solidFill>
+              <a:schemeClr val="tx1"/>
+            </a:solidFill>
+            <a:tailEnd type="triangle"/>
+          </a:ln>
+        </p:spPr>
+        <p:style>
+          <a:lnRef idx="1">
+            <a:schemeClr val="accent1"/>
+          </a:lnRef>
+          <a:fillRef idx="0">
+            <a:schemeClr val="accent1"/>
+          </a:fillRef>
+          <a:effectRef idx="0">
+            <a:schemeClr val="accent1"/>
+          </a:effectRef>
+          <a:fontRef idx="minor">
+            <a:schemeClr val="tx1"/>
+          </a:fontRef>
+        </p:style>
+      </p:cxnSp>
+      <p:cxnSp>
+        <p:nvCxnSpPr>
+          <p:cNvPr id="23" name="直接箭头连接符 22">
+            <a:extLst>
+              <a:ext uri="{FF2B5EF4-FFF2-40B4-BE49-F238E27FC236}">
+                <a16:creationId xmlns:a16="http://schemas.microsoft.com/office/drawing/2014/main" id="{41477E81-424E-9A53-E48C-4E49DF19D3FC}"/>
+              </a:ext>
+            </a:extLst>
+          </p:cNvPr>
+          <p:cNvCxnSpPr>
+            <a:cxnSpLocks/>
+            <a:stCxn id="10" idx="3"/>
+            <a:endCxn id="33" idx="1"/>
+          </p:cNvCxnSpPr>
+          <p:nvPr/>
+        </p:nvCxnSpPr>
+        <p:spPr>
+          <a:xfrm flipV="1">
+            <a:off x="5296801" y="3009014"/>
+            <a:ext cx="1326983" cy="4131"/>
+          </a:xfrm>
+          <a:prstGeom prst="straightConnector1">
+            <a:avLst/>
+          </a:prstGeom>
+          <a:ln>
+            <a:solidFill>
+              <a:schemeClr val="tx1"/>
+            </a:solidFill>
+            <a:tailEnd type="triangle"/>
+          </a:ln>
+        </p:spPr>
+        <p:style>
+          <a:lnRef idx="1">
+            <a:schemeClr val="accent1"/>
+          </a:lnRef>
+          <a:fillRef idx="0">
+            <a:schemeClr val="accent1"/>
+          </a:fillRef>
+          <a:effectRef idx="0">
+            <a:schemeClr val="accent1"/>
+          </a:effectRef>
+          <a:fontRef idx="minor">
+            <a:schemeClr val="tx1"/>
+          </a:fontRef>
+        </p:style>
+      </p:cxnSp>
+      <p:sp>
+        <p:nvSpPr>
+          <p:cNvPr id="33" name="矩形 32">
+            <a:extLst>
+              <a:ext uri="{FF2B5EF4-FFF2-40B4-BE49-F238E27FC236}">
+                <a16:creationId xmlns:a16="http://schemas.microsoft.com/office/drawing/2014/main" id="{1F6645ED-F003-53BC-6830-4474964C4FE3}"/>
+              </a:ext>
+            </a:extLst>
+          </p:cNvPr>
+          <p:cNvSpPr/>
+          <p:nvPr/>
+        </p:nvSpPr>
+        <p:spPr>
+          <a:xfrm>
+            <a:off x="6623784" y="2753155"/>
+            <a:ext cx="668595" cy="511717"/>
+          </a:xfrm>
+          <a:prstGeom prst="rect">
+            <a:avLst/>
+          </a:prstGeom>
+          <a:solidFill>
+            <a:schemeClr val="bg1"/>
+          </a:solidFill>
+          <a:ln>
+            <a:solidFill>
+              <a:schemeClr val="tx1"/>
+            </a:solidFill>
+          </a:ln>
+        </p:spPr>
+        <p:style>
+          <a:lnRef idx="2">
+            <a:schemeClr val="accent1">
+              <a:shade val="50000"/>
+            </a:schemeClr>
+          </a:lnRef>
+          <a:fillRef idx="1">
+            <a:schemeClr val="accent1"/>
+          </a:fillRef>
+          <a:effectRef idx="0">
+            <a:schemeClr val="accent1"/>
+          </a:effectRef>
+          <a:fontRef idx="minor">
+            <a:schemeClr val="lt1"/>
+          </a:fontRef>
+        </p:style>
+        <p:txBody>
+          <a:bodyPr rtlCol="0" anchor="ctr"/>
+          <a:lstStyle/>
+          <a:p>
+            <a:pPr algn="ctr"/>
+            <a:r>
+              <a:rPr lang="en-US" altLang="zh-CN" dirty="0">
+                <a:solidFill>
+                  <a:schemeClr val="tx1"/>
+                </a:solidFill>
+                <a:latin typeface="Times New Roman" panose="02020603050405020304" pitchFamily="18" charset="0"/>
+                <a:cs typeface="Times New Roman" panose="02020603050405020304" pitchFamily="18" charset="0"/>
+              </a:rPr>
+              <a:t>DAC</a:t>
+            </a:r>
+            <a:endParaRPr lang="zh-CN" altLang="en-US" dirty="0">
+              <a:solidFill>
+                <a:schemeClr val="tx1"/>
+              </a:solidFill>
+              <a:latin typeface="Times New Roman" panose="02020603050405020304" pitchFamily="18" charset="0"/>
+              <a:cs typeface="Times New Roman" panose="02020603050405020304" pitchFamily="18" charset="0"/>
+            </a:endParaRPr>
+          </a:p>
+        </p:txBody>
+      </p:sp>
+      <p:cxnSp>
+        <p:nvCxnSpPr>
+          <p:cNvPr id="36" name="直接箭头连接符 35">
+            <a:extLst>
+              <a:ext uri="{FF2B5EF4-FFF2-40B4-BE49-F238E27FC236}">
+                <a16:creationId xmlns:a16="http://schemas.microsoft.com/office/drawing/2014/main" id="{76FB0BB1-9BF2-3F6D-67E1-E0A8BE687DBA}"/>
+              </a:ext>
+            </a:extLst>
+          </p:cNvPr>
+          <p:cNvCxnSpPr>
+            <a:cxnSpLocks/>
+            <a:stCxn id="33" idx="3"/>
+            <a:endCxn id="39" idx="2"/>
+          </p:cNvCxnSpPr>
+          <p:nvPr/>
+        </p:nvCxnSpPr>
+        <p:spPr>
+          <a:xfrm flipV="1">
+            <a:off x="7292379" y="3009013"/>
+            <a:ext cx="918507" cy="1"/>
+          </a:xfrm>
+          <a:prstGeom prst="straightConnector1">
+            <a:avLst/>
+          </a:prstGeom>
+          <a:ln>
+            <a:solidFill>
+              <a:schemeClr val="tx1"/>
+            </a:solidFill>
+            <a:tailEnd type="triangle"/>
+          </a:ln>
+        </p:spPr>
+        <p:style>
+          <a:lnRef idx="1">
+            <a:schemeClr val="accent1"/>
+          </a:lnRef>
+          <a:fillRef idx="0">
+            <a:schemeClr val="accent1"/>
+          </a:fillRef>
+          <a:effectRef idx="0">
+            <a:schemeClr val="accent1"/>
+          </a:effectRef>
+          <a:fontRef idx="minor">
+            <a:schemeClr val="tx1"/>
+          </a:fontRef>
+        </p:style>
+      </p:cxnSp>
+      <p:sp>
+        <p:nvSpPr>
+          <p:cNvPr id="39" name="流程图: 汇总连接 38">
+            <a:extLst>
+              <a:ext uri="{FF2B5EF4-FFF2-40B4-BE49-F238E27FC236}">
+                <a16:creationId xmlns:a16="http://schemas.microsoft.com/office/drawing/2014/main" id="{D2016B00-5DB3-2996-67EE-97562CF20993}"/>
+              </a:ext>
+            </a:extLst>
+          </p:cNvPr>
+          <p:cNvSpPr/>
+          <p:nvPr/>
+        </p:nvSpPr>
+        <p:spPr>
+          <a:xfrm>
+            <a:off x="8210886" y="2819727"/>
+            <a:ext cx="378572" cy="378572"/>
+          </a:xfrm>
+          <a:prstGeom prst="flowChartSummingJunction">
+            <a:avLst/>
+          </a:prstGeom>
+          <a:solidFill>
+            <a:schemeClr val="bg1"/>
+          </a:solidFill>
+          <a:ln>
+            <a:solidFill>
+              <a:schemeClr val="tx1"/>
+            </a:solidFill>
+          </a:ln>
+        </p:spPr>
+        <p:style>
+          <a:lnRef idx="2">
+            <a:schemeClr val="accent1">
+              <a:shade val="50000"/>
+            </a:schemeClr>
+          </a:lnRef>
+          <a:fillRef idx="1">
+            <a:schemeClr val="accent1"/>
+          </a:fillRef>
+          <a:effectRef idx="0">
+            <a:schemeClr val="accent1"/>
+          </a:effectRef>
+          <a:fontRef idx="minor">
+            <a:schemeClr val="lt1"/>
+          </a:fontRef>
+        </p:style>
+        <p:txBody>
+          <a:bodyPr rtlCol="0" anchor="ctr"/>
+          <a:lstStyle/>
+          <a:p>
+            <a:pPr algn="ctr"/>
+            <a:endParaRPr lang="zh-CN" altLang="en-US"/>
+          </a:p>
+        </p:txBody>
+      </p:sp>
+      <p:sp>
+        <p:nvSpPr>
+          <p:cNvPr id="40" name="文本框 39">
+            <a:extLst>
+              <a:ext uri="{FF2B5EF4-FFF2-40B4-BE49-F238E27FC236}">
+                <a16:creationId xmlns:a16="http://schemas.microsoft.com/office/drawing/2014/main" id="{0CA2CC06-1C20-B0AC-76F5-A2E16BAF4741}"/>
+              </a:ext>
+            </a:extLst>
+          </p:cNvPr>
+          <p:cNvSpPr txBox="1"/>
+          <p:nvPr/>
+        </p:nvSpPr>
+        <p:spPr>
+          <a:xfrm>
+            <a:off x="7892341" y="2639681"/>
+            <a:ext cx="338554" cy="369332"/>
+          </a:xfrm>
+          <a:prstGeom prst="rect">
+            <a:avLst/>
+          </a:prstGeom>
+          <a:noFill/>
+        </p:spPr>
+        <p:txBody>
+          <a:bodyPr wrap="none" rtlCol="0">
+            <a:spAutoFit/>
+          </a:bodyPr>
+          <a:lstStyle/>
+          <a:p>
+            <a:r>
+              <a:rPr lang="en-US" altLang="zh-CN" dirty="0"/>
+              <a:t>+</a:t>
+            </a:r>
+            <a:endParaRPr lang="zh-CN" altLang="en-US" dirty="0"/>
+          </a:p>
+        </p:txBody>
+      </p:sp>
+      <p:sp>
+        <p:nvSpPr>
+          <p:cNvPr id="41" name="文本框 40">
+            <a:extLst>
+              <a:ext uri="{FF2B5EF4-FFF2-40B4-BE49-F238E27FC236}">
+                <a16:creationId xmlns:a16="http://schemas.microsoft.com/office/drawing/2014/main" id="{48E012AB-CD8F-0E6C-49BC-EC9B59782A54}"/>
+              </a:ext>
+            </a:extLst>
+          </p:cNvPr>
+          <p:cNvSpPr txBox="1"/>
+          <p:nvPr/>
+        </p:nvSpPr>
+        <p:spPr>
+          <a:xfrm>
+            <a:off x="8420181" y="3189964"/>
+            <a:ext cx="338554" cy="369332"/>
+          </a:xfrm>
+          <a:prstGeom prst="rect">
+            <a:avLst/>
+          </a:prstGeom>
+          <a:noFill/>
+        </p:spPr>
+        <p:txBody>
+          <a:bodyPr wrap="none" rtlCol="0">
+            <a:spAutoFit/>
+          </a:bodyPr>
+          <a:lstStyle/>
+          <a:p>
+            <a:r>
+              <a:rPr lang="en-US" altLang="zh-CN" dirty="0"/>
+              <a:t>+</a:t>
+            </a:r>
+            <a:endParaRPr lang="zh-CN" altLang="en-US" dirty="0"/>
+          </a:p>
+        </p:txBody>
+      </p:sp>
+      <p:sp>
+        <p:nvSpPr>
+          <p:cNvPr id="43" name="矩形 42">
+            <a:extLst>
+              <a:ext uri="{FF2B5EF4-FFF2-40B4-BE49-F238E27FC236}">
+                <a16:creationId xmlns:a16="http://schemas.microsoft.com/office/drawing/2014/main" id="{87AE7E38-7B43-9544-EDF9-114590D9EC8A}"/>
+              </a:ext>
+            </a:extLst>
+          </p:cNvPr>
+          <p:cNvSpPr/>
+          <p:nvPr/>
+        </p:nvSpPr>
+        <p:spPr>
+          <a:xfrm>
+            <a:off x="6623784" y="3664435"/>
+            <a:ext cx="668595" cy="511717"/>
+          </a:xfrm>
+          <a:prstGeom prst="rect">
+            <a:avLst/>
+          </a:prstGeom>
+          <a:solidFill>
+            <a:schemeClr val="bg1"/>
+          </a:solidFill>
+          <a:ln>
+            <a:solidFill>
+              <a:schemeClr val="tx1"/>
+            </a:solidFill>
+          </a:ln>
+        </p:spPr>
+        <p:style>
+          <a:lnRef idx="2">
+            <a:schemeClr val="accent1">
+              <a:shade val="50000"/>
+            </a:schemeClr>
+          </a:lnRef>
+          <a:fillRef idx="1">
+            <a:schemeClr val="accent1"/>
+          </a:fillRef>
+          <a:effectRef idx="0">
+            <a:schemeClr val="accent1"/>
+          </a:effectRef>
+          <a:fontRef idx="minor">
+            <a:schemeClr val="lt1"/>
+          </a:fontRef>
+        </p:style>
+        <p:txBody>
+          <a:bodyPr rtlCol="0" anchor="ctr"/>
+          <a:lstStyle/>
+          <a:p>
+            <a:pPr algn="ctr"/>
+            <a:r>
+              <a:rPr lang="en-US" altLang="zh-CN" dirty="0">
+                <a:solidFill>
+                  <a:schemeClr val="tx1"/>
+                </a:solidFill>
+                <a:latin typeface="Times New Roman" panose="02020603050405020304" pitchFamily="18" charset="0"/>
+                <a:cs typeface="Times New Roman" panose="02020603050405020304" pitchFamily="18" charset="0"/>
+              </a:rPr>
+              <a:t>Op-Amp</a:t>
+            </a:r>
+            <a:endParaRPr lang="zh-CN" altLang="en-US" dirty="0">
+              <a:solidFill>
+                <a:schemeClr val="tx1"/>
+              </a:solidFill>
+              <a:latin typeface="Times New Roman" panose="02020603050405020304" pitchFamily="18" charset="0"/>
+              <a:cs typeface="Times New Roman" panose="02020603050405020304" pitchFamily="18" charset="0"/>
+            </a:endParaRPr>
+          </a:p>
+        </p:txBody>
+      </p:sp>
+      <p:cxnSp>
+        <p:nvCxnSpPr>
+          <p:cNvPr id="50" name="直接箭头连接符 49">
+            <a:extLst>
+              <a:ext uri="{FF2B5EF4-FFF2-40B4-BE49-F238E27FC236}">
+                <a16:creationId xmlns:a16="http://schemas.microsoft.com/office/drawing/2014/main" id="{E35CCBC0-DB86-9C8C-5629-D5BC649F1538}"/>
+              </a:ext>
+            </a:extLst>
+          </p:cNvPr>
+          <p:cNvCxnSpPr>
+            <a:cxnSpLocks/>
+            <a:endCxn id="43" idx="1"/>
+          </p:cNvCxnSpPr>
+          <p:nvPr/>
+        </p:nvCxnSpPr>
+        <p:spPr>
+          <a:xfrm>
+            <a:off x="5371580" y="3920294"/>
+            <a:ext cx="1252204" cy="0"/>
+          </a:xfrm>
+          <a:prstGeom prst="straightConnector1">
+            <a:avLst/>
+          </a:prstGeom>
+          <a:ln>
+            <a:solidFill>
+              <a:schemeClr val="tx1"/>
+            </a:solidFill>
+            <a:tailEnd type="triangle"/>
+          </a:ln>
+        </p:spPr>
+        <p:style>
+          <a:lnRef idx="1">
+            <a:schemeClr val="accent1"/>
+          </a:lnRef>
+          <a:fillRef idx="0">
+            <a:schemeClr val="accent1"/>
+          </a:fillRef>
+          <a:effectRef idx="0">
+            <a:schemeClr val="accent1"/>
+          </a:effectRef>
+          <a:fontRef idx="minor">
+            <a:schemeClr val="tx1"/>
+          </a:fontRef>
+        </p:style>
+      </p:cxnSp>
+      <p:sp>
+        <p:nvSpPr>
+          <p:cNvPr id="53" name="矩形 52">
+            <a:extLst>
+              <a:ext uri="{FF2B5EF4-FFF2-40B4-BE49-F238E27FC236}">
+                <a16:creationId xmlns:a16="http://schemas.microsoft.com/office/drawing/2014/main" id="{91ECD9CC-55B4-A9A6-FFFD-4213228EA9E4}"/>
+              </a:ext>
+            </a:extLst>
+          </p:cNvPr>
+          <p:cNvSpPr/>
+          <p:nvPr/>
+        </p:nvSpPr>
+        <p:spPr>
+          <a:xfrm>
+            <a:off x="5314287" y="3333139"/>
+            <a:ext cx="1252204" cy="511717"/>
+          </a:xfrm>
+          <a:prstGeom prst="rect">
+            <a:avLst/>
+          </a:prstGeom>
+          <a:noFill/>
+          <a:ln>
+            <a:noFill/>
+          </a:ln>
+        </p:spPr>
+        <p:style>
+          <a:lnRef idx="2">
+            <a:schemeClr val="accent1">
+              <a:shade val="50000"/>
+            </a:schemeClr>
+          </a:lnRef>
+          <a:fillRef idx="1">
+            <a:schemeClr val="accent1"/>
+          </a:fillRef>
+          <a:effectRef idx="0">
+            <a:schemeClr val="accent1"/>
+          </a:effectRef>
+          <a:fontRef idx="minor">
+            <a:schemeClr val="lt1"/>
+          </a:fontRef>
+        </p:style>
+        <p:txBody>
+          <a:bodyPr rtlCol="0" anchor="ctr"/>
+          <a:lstStyle/>
+          <a:p>
+            <a:pPr algn="ctr"/>
+            <a:r>
+              <a:rPr lang="en-US" altLang="zh-CN" dirty="0">
+                <a:solidFill>
+                  <a:schemeClr val="tx1"/>
+                </a:solidFill>
+                <a:latin typeface="Times New Roman" panose="02020603050405020304" pitchFamily="18" charset="0"/>
+                <a:cs typeface="Times New Roman" panose="02020603050405020304" pitchFamily="18" charset="0"/>
+              </a:rPr>
+              <a:t>Input (V)</a:t>
+            </a:r>
+            <a:endParaRPr lang="zh-CN" altLang="en-US" dirty="0">
+              <a:solidFill>
+                <a:schemeClr val="tx1"/>
+              </a:solidFill>
+              <a:latin typeface="Times New Roman" panose="02020603050405020304" pitchFamily="18" charset="0"/>
+              <a:cs typeface="Times New Roman" panose="02020603050405020304" pitchFamily="18" charset="0"/>
+            </a:endParaRPr>
+          </a:p>
+        </p:txBody>
+      </p:sp>
+      <p:cxnSp>
+        <p:nvCxnSpPr>
+          <p:cNvPr id="64" name="连接符: 肘形 63">
+            <a:extLst>
+              <a:ext uri="{FF2B5EF4-FFF2-40B4-BE49-F238E27FC236}">
+                <a16:creationId xmlns:a16="http://schemas.microsoft.com/office/drawing/2014/main" id="{0A27921D-1398-5175-A9EF-F07F70CACB54}"/>
+              </a:ext>
+            </a:extLst>
+          </p:cNvPr>
+          <p:cNvCxnSpPr>
+            <a:cxnSpLocks/>
+            <a:stCxn id="43" idx="3"/>
+            <a:endCxn id="39" idx="4"/>
+          </p:cNvCxnSpPr>
+          <p:nvPr/>
+        </p:nvCxnSpPr>
+        <p:spPr>
+          <a:xfrm flipV="1">
+            <a:off x="7292379" y="3198299"/>
+            <a:ext cx="1107793" cy="721995"/>
+          </a:xfrm>
+          <a:prstGeom prst="bentConnector2">
+            <a:avLst/>
+          </a:prstGeom>
+          <a:ln>
+            <a:solidFill>
+              <a:schemeClr val="tx1"/>
+            </a:solidFill>
+            <a:tailEnd type="triangle"/>
+          </a:ln>
+        </p:spPr>
+        <p:style>
+          <a:lnRef idx="1">
+            <a:schemeClr val="accent1"/>
+          </a:lnRef>
+          <a:fillRef idx="0">
+            <a:schemeClr val="accent1"/>
+          </a:fillRef>
+          <a:effectRef idx="0">
+            <a:schemeClr val="accent1"/>
+          </a:effectRef>
+          <a:fontRef idx="minor">
+            <a:schemeClr val="tx1"/>
+          </a:fontRef>
+        </p:style>
+      </p:cxnSp>
+      <p:cxnSp>
+        <p:nvCxnSpPr>
+          <p:cNvPr id="69" name="直接箭头连接符 68">
+            <a:extLst>
+              <a:ext uri="{FF2B5EF4-FFF2-40B4-BE49-F238E27FC236}">
+                <a16:creationId xmlns:a16="http://schemas.microsoft.com/office/drawing/2014/main" id="{153D2EBE-B949-2A60-7D16-D3A271C10B2E}"/>
+              </a:ext>
+            </a:extLst>
+          </p:cNvPr>
+          <p:cNvCxnSpPr>
+            <a:cxnSpLocks/>
+            <a:stCxn id="39" idx="6"/>
+          </p:cNvCxnSpPr>
+          <p:nvPr/>
+        </p:nvCxnSpPr>
+        <p:spPr>
+          <a:xfrm>
+            <a:off x="8589458" y="3009013"/>
+            <a:ext cx="752566" cy="0"/>
+          </a:xfrm>
+          <a:prstGeom prst="straightConnector1">
+            <a:avLst/>
+          </a:prstGeom>
+          <a:ln>
+            <a:solidFill>
+              <a:schemeClr val="tx1"/>
+            </a:solidFill>
+            <a:tailEnd type="triangle"/>
+          </a:ln>
+        </p:spPr>
+        <p:style>
+          <a:lnRef idx="1">
+            <a:schemeClr val="accent1"/>
+          </a:lnRef>
+          <a:fillRef idx="0">
+            <a:schemeClr val="accent1"/>
+          </a:fillRef>
+          <a:effectRef idx="0">
+            <a:schemeClr val="accent1"/>
+          </a:effectRef>
+          <a:fontRef idx="minor">
+            <a:schemeClr val="tx1"/>
+          </a:fontRef>
+        </p:style>
+      </p:cxnSp>
+      <p:sp>
+        <p:nvSpPr>
+          <p:cNvPr id="73" name="矩形 72">
+            <a:extLst>
+              <a:ext uri="{FF2B5EF4-FFF2-40B4-BE49-F238E27FC236}">
+                <a16:creationId xmlns:a16="http://schemas.microsoft.com/office/drawing/2014/main" id="{633B3A8C-32B6-2D38-3EED-401155DD275B}"/>
+              </a:ext>
+            </a:extLst>
+          </p:cNvPr>
+          <p:cNvSpPr/>
+          <p:nvPr/>
+        </p:nvSpPr>
+        <p:spPr>
+          <a:xfrm>
+            <a:off x="8247248" y="2550086"/>
+            <a:ext cx="1252204" cy="511717"/>
+          </a:xfrm>
+          <a:prstGeom prst="rect">
+            <a:avLst/>
+          </a:prstGeom>
+          <a:noFill/>
+          <a:ln>
+            <a:noFill/>
+          </a:ln>
+        </p:spPr>
+        <p:style>
+          <a:lnRef idx="2">
+            <a:schemeClr val="accent1">
+              <a:shade val="50000"/>
+            </a:schemeClr>
+          </a:lnRef>
+          <a:fillRef idx="1">
+            <a:schemeClr val="accent1"/>
+          </a:fillRef>
+          <a:effectRef idx="0">
+            <a:schemeClr val="accent1"/>
+          </a:effectRef>
+          <a:fontRef idx="minor">
+            <a:schemeClr val="lt1"/>
+          </a:fontRef>
+        </p:style>
+        <p:txBody>
+          <a:bodyPr rtlCol="0" anchor="ctr"/>
+          <a:lstStyle/>
+          <a:p>
+            <a:pPr algn="ctr"/>
+            <a:r>
+              <a:rPr lang="en-US" altLang="zh-CN" dirty="0">
+                <a:solidFill>
+                  <a:schemeClr val="tx1"/>
+                </a:solidFill>
+                <a:latin typeface="Times New Roman" panose="02020603050405020304" pitchFamily="18" charset="0"/>
+                <a:cs typeface="Times New Roman" panose="02020603050405020304" pitchFamily="18" charset="0"/>
+              </a:rPr>
+              <a:t>U</a:t>
+            </a:r>
+            <a:endParaRPr lang="zh-CN" altLang="en-US" dirty="0">
+              <a:solidFill>
+                <a:schemeClr val="tx1"/>
+              </a:solidFill>
+              <a:latin typeface="Times New Roman" panose="02020603050405020304" pitchFamily="18" charset="0"/>
+              <a:cs typeface="Times New Roman" panose="02020603050405020304" pitchFamily="18" charset="0"/>
+            </a:endParaRPr>
+          </a:p>
+        </p:txBody>
+      </p:sp>
+      <p:sp>
+        <p:nvSpPr>
+          <p:cNvPr id="77" name="矩形 76">
+            <a:extLst>
+              <a:ext uri="{FF2B5EF4-FFF2-40B4-BE49-F238E27FC236}">
+                <a16:creationId xmlns:a16="http://schemas.microsoft.com/office/drawing/2014/main" id="{4C07CC83-5656-5DA6-1E24-8A7D7F5C7699}"/>
+              </a:ext>
+            </a:extLst>
+          </p:cNvPr>
+          <p:cNvSpPr/>
+          <p:nvPr/>
+        </p:nvSpPr>
+        <p:spPr>
+          <a:xfrm>
+            <a:off x="9355041" y="2753155"/>
+            <a:ext cx="668595" cy="511717"/>
+          </a:xfrm>
+          <a:prstGeom prst="rect">
+            <a:avLst/>
+          </a:prstGeom>
+          <a:solidFill>
+            <a:schemeClr val="bg1"/>
+          </a:solidFill>
+          <a:ln>
+            <a:solidFill>
+              <a:schemeClr val="tx1"/>
+            </a:solidFill>
+          </a:ln>
+        </p:spPr>
+        <p:style>
+          <a:lnRef idx="2">
+            <a:schemeClr val="accent1">
+              <a:shade val="50000"/>
+            </a:schemeClr>
+          </a:lnRef>
+          <a:fillRef idx="1">
+            <a:schemeClr val="accent1"/>
+          </a:fillRef>
+          <a:effectRef idx="0">
+            <a:schemeClr val="accent1"/>
+          </a:effectRef>
+          <a:fontRef idx="minor">
+            <a:schemeClr val="lt1"/>
+          </a:fontRef>
+        </p:style>
+        <p:txBody>
+          <a:bodyPr rtlCol="0" anchor="ctr"/>
+          <a:lstStyle/>
+          <a:p>
+            <a:pPr algn="ctr"/>
+            <a:r>
+              <a:rPr lang="en-US" altLang="zh-CN" dirty="0">
+                <a:solidFill>
+                  <a:schemeClr val="tx1"/>
+                </a:solidFill>
+                <a:latin typeface="Times New Roman" panose="02020603050405020304" pitchFamily="18" charset="0"/>
+                <a:cs typeface="Times New Roman" panose="02020603050405020304" pitchFamily="18" charset="0"/>
+              </a:rPr>
+              <a:t>Plant</a:t>
+            </a:r>
+            <a:endParaRPr lang="zh-CN" altLang="en-US" dirty="0">
+              <a:solidFill>
+                <a:schemeClr val="tx1"/>
+              </a:solidFill>
+              <a:latin typeface="Times New Roman" panose="02020603050405020304" pitchFamily="18" charset="0"/>
+              <a:cs typeface="Times New Roman" panose="02020603050405020304" pitchFamily="18" charset="0"/>
+            </a:endParaRPr>
+          </a:p>
+        </p:txBody>
+      </p:sp>
+      <p:cxnSp>
+        <p:nvCxnSpPr>
+          <p:cNvPr id="79" name="连接符: 肘形 78">
+            <a:extLst>
+              <a:ext uri="{FF2B5EF4-FFF2-40B4-BE49-F238E27FC236}">
+                <a16:creationId xmlns:a16="http://schemas.microsoft.com/office/drawing/2014/main" id="{FEA703D5-B385-A2C4-3FBE-0F504D9D9D99}"/>
+              </a:ext>
+            </a:extLst>
+          </p:cNvPr>
+          <p:cNvCxnSpPr>
+            <a:stCxn id="77" idx="3"/>
+            <a:endCxn id="4" idx="1"/>
+          </p:cNvCxnSpPr>
+          <p:nvPr/>
+        </p:nvCxnSpPr>
+        <p:spPr>
+          <a:xfrm flipH="1">
+            <a:off x="1879091" y="3009014"/>
+            <a:ext cx="8144545" cy="4131"/>
+          </a:xfrm>
+          <a:prstGeom prst="bentConnector5">
+            <a:avLst>
+              <a:gd name="adj1" fmla="val -2807"/>
+              <a:gd name="adj2" fmla="val 36077294"/>
+              <a:gd name="adj3" fmla="val 113319"/>
+            </a:avLst>
+          </a:prstGeom>
+          <a:ln>
+            <a:solidFill>
+              <a:schemeClr val="tx1"/>
+            </a:solidFill>
+            <a:tailEnd type="triangle"/>
+          </a:ln>
+        </p:spPr>
+        <p:style>
+          <a:lnRef idx="1">
+            <a:schemeClr val="accent1"/>
+          </a:lnRef>
+          <a:fillRef idx="0">
+            <a:schemeClr val="accent1"/>
+          </a:fillRef>
+          <a:effectRef idx="0">
+            <a:schemeClr val="accent1"/>
+          </a:effectRef>
+          <a:fontRef idx="minor">
+            <a:schemeClr val="tx1"/>
+          </a:fontRef>
+        </p:style>
+      </p:cxnSp>
+    </p:spTree>
+    <p:extLst>
+      <p:ext uri="{BB962C8B-B14F-4D97-AF65-F5344CB8AC3E}">
+        <p14:creationId xmlns:p14="http://schemas.microsoft.com/office/powerpoint/2010/main" val="3719257976"/>
+      </p:ext>
+    </p:extLst>
+  </p:cSld>
+  <p:clrMapOvr>
+    <a:masterClrMapping/>
+  </p:clrMapOvr>
+</p:sld>
+</file>
+
 <file path=ppt/theme/theme1.xml><?xml version="1.0" encoding="utf-8"?>
 <a:theme xmlns:a="http://schemas.openxmlformats.org/drawingml/2006/main" name="Office 主题​​">
   <a:themeElements>

--- a/Report/pics/框图.pptx
+++ b/Report/pics/框图.pptx
@@ -126,7 +126,7 @@
   <pc:docChgLst>
     <pc:chgData name="苑 润泽" userId="0783eeab76cf4181" providerId="LiveId" clId="{C26F6432-BD0C-445F-944C-19DC2E1410F8}"/>
     <pc:docChg chg="undo custSel addSld modSld">
-      <pc:chgData name="苑 润泽" userId="0783eeab76cf4181" providerId="LiveId" clId="{C26F6432-BD0C-445F-944C-19DC2E1410F8}" dt="2023-04-15T15:05:37.703" v="283" actId="14100"/>
+      <pc:chgData name="苑 润泽" userId="0783eeab76cf4181" providerId="LiveId" clId="{C26F6432-BD0C-445F-944C-19DC2E1410F8}" dt="2023-04-15T16:20:18.459" v="300" actId="1037"/>
       <pc:docMkLst>
         <pc:docMk/>
       </pc:docMkLst>
@@ -162,7 +162,7 @@
         </pc:cxnChg>
       </pc:sldChg>
       <pc:sldChg chg="addSp delSp modSp add mod">
-        <pc:chgData name="苑 润泽" userId="0783eeab76cf4181" providerId="LiveId" clId="{C26F6432-BD0C-445F-944C-19DC2E1410F8}" dt="2023-04-15T15:05:37.703" v="283" actId="14100"/>
+        <pc:chgData name="苑 润泽" userId="0783eeab76cf4181" providerId="LiveId" clId="{C26F6432-BD0C-445F-944C-19DC2E1410F8}" dt="2023-04-15T16:20:18.459" v="300" actId="1037"/>
         <pc:sldMkLst>
           <pc:docMk/>
           <pc:sldMk cId="3719257976" sldId="257"/>
@@ -208,7 +208,7 @@
           </ac:spMkLst>
         </pc:spChg>
         <pc:spChg chg="mod">
-          <ac:chgData name="苑 润泽" userId="0783eeab76cf4181" providerId="LiveId" clId="{C26F6432-BD0C-445F-944C-19DC2E1410F8}" dt="2023-04-15T15:04:41.468" v="269" actId="1037"/>
+          <ac:chgData name="苑 润泽" userId="0783eeab76cf4181" providerId="LiveId" clId="{C26F6432-BD0C-445F-944C-19DC2E1410F8}" dt="2023-04-15T16:20:18.459" v="300" actId="1037"/>
           <ac:spMkLst>
             <pc:docMk/>
             <pc:sldMk cId="3719257976" sldId="257"/>
@@ -4616,7 +4616,7 @@
         </p:nvSpPr>
         <p:spPr>
           <a:xfrm>
-            <a:off x="736713" y="2371432"/>
+            <a:off x="684297" y="2371432"/>
             <a:ext cx="1252204" cy="511717"/>
           </a:xfrm>
           <a:prstGeom prst="rect">
@@ -4656,7 +4656,7 @@
                 <a:latin typeface="Times New Roman" panose="02020603050405020304" pitchFamily="18" charset="0"/>
                 <a:cs typeface="Times New Roman" panose="02020603050405020304" pitchFamily="18" charset="0"/>
               </a:rPr>
-              <a:t>System Output</a:t>
+              <a:t>System Output (Y)</a:t>
             </a:r>
             <a:endParaRPr lang="zh-CN" altLang="en-US" dirty="0">
               <a:solidFill>

--- a/Report/pics/框图.pptx
+++ b/Report/pics/框图.pptx
@@ -126,7 +126,7 @@
   <pc:docChgLst>
     <pc:chgData name="苑 润泽" userId="0783eeab76cf4181" providerId="LiveId" clId="{C26F6432-BD0C-445F-944C-19DC2E1410F8}"/>
     <pc:docChg chg="undo custSel addSld modSld">
-      <pc:chgData name="苑 润泽" userId="0783eeab76cf4181" providerId="LiveId" clId="{C26F6432-BD0C-445F-944C-19DC2E1410F8}" dt="2023-04-15T16:20:18.459" v="300" actId="1037"/>
+      <pc:chgData name="苑 润泽" userId="0783eeab76cf4181" providerId="LiveId" clId="{C26F6432-BD0C-445F-944C-19DC2E1410F8}" dt="2023-04-15T16:21:53.749" v="306" actId="1076"/>
       <pc:docMkLst>
         <pc:docMk/>
       </pc:docMkLst>
@@ -162,7 +162,7 @@
         </pc:cxnChg>
       </pc:sldChg>
       <pc:sldChg chg="addSp delSp modSp add mod">
-        <pc:chgData name="苑 润泽" userId="0783eeab76cf4181" providerId="LiveId" clId="{C26F6432-BD0C-445F-944C-19DC2E1410F8}" dt="2023-04-15T16:20:18.459" v="300" actId="1037"/>
+        <pc:chgData name="苑 润泽" userId="0783eeab76cf4181" providerId="LiveId" clId="{C26F6432-BD0C-445F-944C-19DC2E1410F8}" dt="2023-04-15T16:21:53.749" v="306" actId="1076"/>
         <pc:sldMkLst>
           <pc:docMk/>
           <pc:sldMk cId="3719257976" sldId="257"/>
@@ -304,7 +304,7 @@
           </ac:spMkLst>
         </pc:spChg>
         <pc:spChg chg="add mod">
-          <ac:chgData name="苑 润泽" userId="0783eeab76cf4181" providerId="LiveId" clId="{C26F6432-BD0C-445F-944C-19DC2E1410F8}" dt="2023-04-15T15:04:41.468" v="269" actId="1037"/>
+          <ac:chgData name="苑 润泽" userId="0783eeab76cf4181" providerId="LiveId" clId="{C26F6432-BD0C-445F-944C-19DC2E1410F8}" dt="2023-04-15T16:21:53.749" v="306" actId="1076"/>
           <ac:spMkLst>
             <pc:docMk/>
             <pc:sldMk cId="3719257976" sldId="257"/>
@@ -343,6 +343,14 @@
             <ac:spMk id="77" creationId="{4C07CC83-5656-5DA6-1E24-8A7D7F5C7699}"/>
           </ac:spMkLst>
         </pc:spChg>
+        <pc:cxnChg chg="add mod">
+          <ac:chgData name="苑 润泽" userId="0783eeab76cf4181" providerId="LiveId" clId="{C26F6432-BD0C-445F-944C-19DC2E1410F8}" dt="2023-04-15T16:21:49.263" v="305" actId="108"/>
+          <ac:cxnSpMkLst>
+            <pc:docMk/>
+            <pc:sldMk cId="3719257976" sldId="257"/>
+            <ac:cxnSpMk id="5" creationId="{6672CBBD-427A-959E-265A-EA650B0FDBF7}"/>
+          </ac:cxnSpMkLst>
+        </pc:cxnChg>
         <pc:cxnChg chg="del mod">
           <ac:chgData name="苑 润泽" userId="0783eeab76cf4181" providerId="LiveId" clId="{C26F6432-BD0C-445F-944C-19DC2E1410F8}" dt="2023-04-15T15:05:22.936" v="279" actId="478"/>
           <ac:cxnSpMkLst>
@@ -416,7 +424,7 @@
           </ac:cxnSpMkLst>
         </pc:cxnChg>
         <pc:cxnChg chg="add mod">
-          <ac:chgData name="苑 润泽" userId="0783eeab76cf4181" providerId="LiveId" clId="{C26F6432-BD0C-445F-944C-19DC2E1410F8}" dt="2023-04-15T15:04:41.468" v="269" actId="1037"/>
+          <ac:chgData name="苑 润泽" userId="0783eeab76cf4181" providerId="LiveId" clId="{C26F6432-BD0C-445F-944C-19DC2E1410F8}" dt="2023-04-15T16:21:38.244" v="301" actId="14100"/>
           <ac:cxnSpMkLst>
             <pc:docMk/>
             <pc:sldMk cId="3719257976" sldId="257"/>
@@ -5271,8 +5279,8 @@
         </p:nvCxnSpPr>
         <p:spPr>
           <a:xfrm>
-            <a:off x="5371580" y="3920294"/>
-            <a:ext cx="1252204" cy="0"/>
+            <a:off x="2650013" y="3920294"/>
+            <a:ext cx="3973771" cy="0"/>
           </a:xfrm>
           <a:prstGeom prst="straightConnector1">
             <a:avLst/>
@@ -5313,7 +5321,7 @@
         </p:nvSpPr>
         <p:spPr>
           <a:xfrm>
-            <a:off x="5314287" y="3333139"/>
+            <a:off x="2458003" y="3374630"/>
             <a:ext cx="1252204" cy="511717"/>
           </a:xfrm>
           <a:prstGeom prst="rect">
@@ -5618,6 +5626,50 @@
               <a:gd name="adj2" fmla="val 36077294"/>
               <a:gd name="adj3" fmla="val 113319"/>
             </a:avLst>
+          </a:prstGeom>
+          <a:ln>
+            <a:solidFill>
+              <a:schemeClr val="tx1"/>
+            </a:solidFill>
+            <a:tailEnd type="triangle"/>
+          </a:ln>
+        </p:spPr>
+        <p:style>
+          <a:lnRef idx="1">
+            <a:schemeClr val="accent1"/>
+          </a:lnRef>
+          <a:fillRef idx="0">
+            <a:schemeClr val="accent1"/>
+          </a:fillRef>
+          <a:effectRef idx="0">
+            <a:schemeClr val="accent1"/>
+          </a:effectRef>
+          <a:fontRef idx="minor">
+            <a:schemeClr val="tx1"/>
+          </a:fontRef>
+        </p:style>
+      </p:cxnSp>
+      <p:cxnSp>
+        <p:nvCxnSpPr>
+          <p:cNvPr id="5" name="直接箭头连接符 4">
+            <a:extLst>
+              <a:ext uri="{FF2B5EF4-FFF2-40B4-BE49-F238E27FC236}">
+                <a16:creationId xmlns:a16="http://schemas.microsoft.com/office/drawing/2014/main" id="{6672CBBD-427A-959E-265A-EA650B0FDBF7}"/>
+              </a:ext>
+            </a:extLst>
+          </p:cNvPr>
+          <p:cNvCxnSpPr>
+            <a:cxnSpLocks/>
+          </p:cNvCxnSpPr>
+          <p:nvPr/>
+        </p:nvCxnSpPr>
+        <p:spPr>
+          <a:xfrm flipV="1">
+            <a:off x="3814854" y="3009013"/>
+            <a:ext cx="0" cy="911281"/>
+          </a:xfrm>
+          <a:prstGeom prst="straightConnector1">
+            <a:avLst/>
           </a:prstGeom>
           <a:ln>
             <a:solidFill>

--- a/Report/pics/框图.pptx
+++ b/Report/pics/框图.pptx
@@ -116,7 +116,7 @@
 <file path=ppt/revisionInfo.xml><?xml version="1.0" encoding="utf-8"?>
 <p1510:revInfo xmlns:a="http://schemas.openxmlformats.org/drawingml/2006/main" xmlns:r="http://schemas.openxmlformats.org/officeDocument/2006/relationships" xmlns:p1510="http://schemas.microsoft.com/office/powerpoint/2015/10/main">
   <p1510:revLst>
-    <p1510:client id="{C26F6432-BD0C-445F-944C-19DC2E1410F8}" v="28" dt="2023-04-15T15:04:49.116"/>
+    <p1510:client id="{C26F6432-BD0C-445F-944C-19DC2E1410F8}" v="34" dt="2023-04-24T09:11:59.198"/>
   </p1510:revLst>
 </p1510:revInfo>
 </file>
@@ -126,12 +126,12 @@
   <pc:docChgLst>
     <pc:chgData name="苑 润泽" userId="0783eeab76cf4181" providerId="LiveId" clId="{C26F6432-BD0C-445F-944C-19DC2E1410F8}"/>
     <pc:docChg chg="undo custSel addSld modSld">
-      <pc:chgData name="苑 润泽" userId="0783eeab76cf4181" providerId="LiveId" clId="{C26F6432-BD0C-445F-944C-19DC2E1410F8}" dt="2023-04-15T16:21:53.749" v="306" actId="1076"/>
+      <pc:chgData name="苑 润泽" userId="0783eeab76cf4181" providerId="LiveId" clId="{C26F6432-BD0C-445F-944C-19DC2E1410F8}" dt="2023-04-24T09:13:25.164" v="390" actId="14100"/>
       <pc:docMkLst>
         <pc:docMk/>
       </pc:docMkLst>
       <pc:sldChg chg="addSp delSp modSp new mod">
-        <pc:chgData name="苑 润泽" userId="0783eeab76cf4181" providerId="LiveId" clId="{C26F6432-BD0C-445F-944C-19DC2E1410F8}" dt="2023-04-11T15:24:17.893" v="3" actId="208"/>
+        <pc:chgData name="苑 润泽" userId="0783eeab76cf4181" providerId="LiveId" clId="{C26F6432-BD0C-445F-944C-19DC2E1410F8}" dt="2023-04-24T09:13:25.164" v="390" actId="14100"/>
         <pc:sldMkLst>
           <pc:docMk/>
           <pc:sldMk cId="74029592" sldId="256"/>
@@ -152,12 +152,180 @@
             <ac:spMk id="3" creationId="{DD4BA6DD-4D03-5517-3F2A-0B3D02C91258}"/>
           </ac:spMkLst>
         </pc:spChg>
+        <pc:spChg chg="add mod">
+          <ac:chgData name="苑 润泽" userId="0783eeab76cf4181" providerId="LiveId" clId="{C26F6432-BD0C-445F-944C-19DC2E1410F8}" dt="2023-04-24T09:10:51.138" v="340" actId="1076"/>
+          <ac:spMkLst>
+            <pc:docMk/>
+            <pc:sldMk cId="74029592" sldId="256"/>
+            <ac:spMk id="8" creationId="{57D70EF9-04AA-8126-D745-78FFA9039058}"/>
+          </ac:spMkLst>
+        </pc:spChg>
+        <pc:spChg chg="add mod">
+          <ac:chgData name="苑 润泽" userId="0783eeab76cf4181" providerId="LiveId" clId="{C26F6432-BD0C-445F-944C-19DC2E1410F8}" dt="2023-04-24T09:11:07.993" v="347" actId="1076"/>
+          <ac:spMkLst>
+            <pc:docMk/>
+            <pc:sldMk cId="74029592" sldId="256"/>
+            <ac:spMk id="9" creationId="{6CB216A0-A20E-3738-5230-85ABC0486821}"/>
+          </ac:spMkLst>
+        </pc:spChg>
+        <pc:spChg chg="add del mod">
+          <ac:chgData name="苑 润泽" userId="0783eeab76cf4181" providerId="LiveId" clId="{C26F6432-BD0C-445F-944C-19DC2E1410F8}" dt="2023-04-24T09:09:52.084" v="319" actId="478"/>
+          <ac:spMkLst>
+            <pc:docMk/>
+            <pc:sldMk cId="74029592" sldId="256"/>
+            <ac:spMk id="12" creationId="{13A4FF98-E622-6F07-E00F-1FFE55348279}"/>
+          </ac:spMkLst>
+        </pc:spChg>
+        <pc:spChg chg="add mod">
+          <ac:chgData name="苑 润泽" userId="0783eeab76cf4181" providerId="LiveId" clId="{C26F6432-BD0C-445F-944C-19DC2E1410F8}" dt="2023-04-24T09:09:16.588" v="308" actId="1076"/>
+          <ac:spMkLst>
+            <pc:docMk/>
+            <pc:sldMk cId="74029592" sldId="256"/>
+            <ac:spMk id="14" creationId="{A1D9CD7C-348E-BE32-0A9A-CF23FD7F4173}"/>
+          </ac:spMkLst>
+        </pc:spChg>
+        <pc:spChg chg="add mod">
+          <ac:chgData name="苑 润泽" userId="0783eeab76cf4181" providerId="LiveId" clId="{C26F6432-BD0C-445F-944C-19DC2E1410F8}" dt="2023-04-24T09:11:32.071" v="356" actId="1076"/>
+          <ac:spMkLst>
+            <pc:docMk/>
+            <pc:sldMk cId="74029592" sldId="256"/>
+            <ac:spMk id="16" creationId="{D663400D-0C9B-FE93-6AEA-66827B4200C1}"/>
+          </ac:spMkLst>
+        </pc:spChg>
+        <pc:spChg chg="add mod">
+          <ac:chgData name="苑 润泽" userId="0783eeab76cf4181" providerId="LiveId" clId="{C26F6432-BD0C-445F-944C-19DC2E1410F8}" dt="2023-04-24T09:09:16.588" v="308" actId="1076"/>
+          <ac:spMkLst>
+            <pc:docMk/>
+            <pc:sldMk cId="74029592" sldId="256"/>
+            <ac:spMk id="18" creationId="{561B4159-4FDF-625D-F551-52268E035573}"/>
+          </ac:spMkLst>
+        </pc:spChg>
+        <pc:spChg chg="add mod">
+          <ac:chgData name="苑 润泽" userId="0783eeab76cf4181" providerId="LiveId" clId="{C26F6432-BD0C-445F-944C-19DC2E1410F8}" dt="2023-04-24T09:11:12.929" v="350" actId="20577"/>
+          <ac:spMkLst>
+            <pc:docMk/>
+            <pc:sldMk cId="74029592" sldId="256"/>
+            <ac:spMk id="22" creationId="{DE18DC60-64D9-189F-8A6E-23C69297D8B6}"/>
+          </ac:spMkLst>
+        </pc:spChg>
+        <pc:spChg chg="add del mod">
+          <ac:chgData name="苑 润泽" userId="0783eeab76cf4181" providerId="LiveId" clId="{C26F6432-BD0C-445F-944C-19DC2E1410F8}" dt="2023-04-24T09:09:59.113" v="323" actId="478"/>
+          <ac:spMkLst>
+            <pc:docMk/>
+            <pc:sldMk cId="74029592" sldId="256"/>
+            <ac:spMk id="23" creationId="{1DE3CF6F-E2B8-A245-E75F-BF03F8F67122}"/>
+          </ac:spMkLst>
+        </pc:spChg>
+        <pc:spChg chg="add mod">
+          <ac:chgData name="苑 润泽" userId="0783eeab76cf4181" providerId="LiveId" clId="{C26F6432-BD0C-445F-944C-19DC2E1410F8}" dt="2023-04-24T09:13:21.067" v="389" actId="1076"/>
+          <ac:spMkLst>
+            <pc:docMk/>
+            <pc:sldMk cId="74029592" sldId="256"/>
+            <ac:spMk id="25" creationId="{58FD0C03-54FF-3B80-CF2D-2B8EAD24B19F}"/>
+          </ac:spMkLst>
+        </pc:spChg>
+        <pc:spChg chg="add del mod">
+          <ac:chgData name="苑 润泽" userId="0783eeab76cf4181" providerId="LiveId" clId="{C26F6432-BD0C-445F-944C-19DC2E1410F8}" dt="2023-04-24T09:10:22.404" v="332" actId="478"/>
+          <ac:spMkLst>
+            <pc:docMk/>
+            <pc:sldMk cId="74029592" sldId="256"/>
+            <ac:spMk id="28" creationId="{582769C4-1547-2486-C1A4-C45BD89D742F}"/>
+          </ac:spMkLst>
+        </pc:spChg>
+        <pc:spChg chg="add mod">
+          <ac:chgData name="苑 润泽" userId="0783eeab76cf4181" providerId="LiveId" clId="{C26F6432-BD0C-445F-944C-19DC2E1410F8}" dt="2023-04-24T09:13:17.591" v="388" actId="1076"/>
+          <ac:spMkLst>
+            <pc:docMk/>
+            <pc:sldMk cId="74029592" sldId="256"/>
+            <ac:spMk id="31" creationId="{069763D5-2797-1606-3E7F-467B9FF4A994}"/>
+          </ac:spMkLst>
+        </pc:spChg>
+        <pc:spChg chg="add mod">
+          <ac:chgData name="苑 润泽" userId="0783eeab76cf4181" providerId="LiveId" clId="{C26F6432-BD0C-445F-944C-19DC2E1410F8}" dt="2023-04-24T09:10:29.091" v="335" actId="1076"/>
+          <ac:spMkLst>
+            <pc:docMk/>
+            <pc:sldMk cId="74029592" sldId="256"/>
+            <ac:spMk id="32" creationId="{E4B5F4A0-2AEB-B72E-A640-90E24CD0142B}"/>
+          </ac:spMkLst>
+        </pc:spChg>
+        <pc:spChg chg="add mod">
+          <ac:chgData name="苑 润泽" userId="0783eeab76cf4181" providerId="LiveId" clId="{C26F6432-BD0C-445F-944C-19DC2E1410F8}" dt="2023-04-24T09:11:59.198" v="362" actId="571"/>
+          <ac:spMkLst>
+            <pc:docMk/>
+            <pc:sldMk cId="74029592" sldId="256"/>
+            <ac:spMk id="43" creationId="{9A093973-44A8-F211-B1F7-FA8BE16C40C8}"/>
+          </ac:spMkLst>
+        </pc:spChg>
         <pc:cxnChg chg="add mod">
           <ac:chgData name="苑 润泽" userId="0783eeab76cf4181" providerId="LiveId" clId="{C26F6432-BD0C-445F-944C-19DC2E1410F8}" dt="2023-04-11T15:24:17.893" v="3" actId="208"/>
           <ac:cxnSpMkLst>
             <pc:docMk/>
             <pc:sldMk cId="74029592" sldId="256"/>
             <ac:cxnSpMk id="5" creationId="{F7E5EE13-291E-D11A-2B40-849F83DB9DEC}"/>
+          </ac:cxnSpMkLst>
+        </pc:cxnChg>
+        <pc:cxnChg chg="add mod">
+          <ac:chgData name="苑 润泽" userId="0783eeab76cf4181" providerId="LiveId" clId="{C26F6432-BD0C-445F-944C-19DC2E1410F8}" dt="2023-04-24T09:11:27.896" v="355" actId="108"/>
+          <ac:cxnSpMkLst>
+            <pc:docMk/>
+            <pc:sldMk cId="74029592" sldId="256"/>
+            <ac:cxnSpMk id="7" creationId="{D41788F6-2F25-F6CC-E363-8EE044D7AE54}"/>
+          </ac:cxnSpMkLst>
+        </pc:cxnChg>
+        <pc:cxnChg chg="add del mod">
+          <ac:chgData name="苑 润泽" userId="0783eeab76cf4181" providerId="LiveId" clId="{C26F6432-BD0C-445F-944C-19DC2E1410F8}" dt="2023-04-24T09:09:56.703" v="322" actId="478"/>
+          <ac:cxnSpMkLst>
+            <pc:docMk/>
+            <pc:sldMk cId="74029592" sldId="256"/>
+            <ac:cxnSpMk id="13" creationId="{667DD262-5C6F-2A27-B312-DC6F2D81FBC8}"/>
+          </ac:cxnSpMkLst>
+        </pc:cxnChg>
+        <pc:cxnChg chg="add mod">
+          <ac:chgData name="苑 润泽" userId="0783eeab76cf4181" providerId="LiveId" clId="{C26F6432-BD0C-445F-944C-19DC2E1410F8}" dt="2023-04-24T09:10:51.138" v="340" actId="1076"/>
+          <ac:cxnSpMkLst>
+            <pc:docMk/>
+            <pc:sldMk cId="74029592" sldId="256"/>
+            <ac:cxnSpMk id="15" creationId="{12F864C5-39B7-51CE-05D0-5B513B2101FC}"/>
+          </ac:cxnSpMkLst>
+        </pc:cxnChg>
+        <pc:cxnChg chg="add mod">
+          <ac:chgData name="苑 润泽" userId="0783eeab76cf4181" providerId="LiveId" clId="{C26F6432-BD0C-445F-944C-19DC2E1410F8}" dt="2023-04-24T09:09:16.588" v="308" actId="1076"/>
+          <ac:cxnSpMkLst>
+            <pc:docMk/>
+            <pc:sldMk cId="74029592" sldId="256"/>
+            <ac:cxnSpMk id="17" creationId="{E0D3CFC8-10CF-AA1A-9167-C667026112E2}"/>
+          </ac:cxnSpMkLst>
+        </pc:cxnChg>
+        <pc:cxnChg chg="add del mod">
+          <ac:chgData name="苑 润泽" userId="0783eeab76cf4181" providerId="LiveId" clId="{C26F6432-BD0C-445F-944C-19DC2E1410F8}" dt="2023-04-24T09:09:54.327" v="321" actId="478"/>
+          <ac:cxnSpMkLst>
+            <pc:docMk/>
+            <pc:sldMk cId="74029592" sldId="256"/>
+            <ac:cxnSpMk id="20" creationId="{318F52D8-F910-8581-A2F4-47B6B059E209}"/>
+          </ac:cxnSpMkLst>
+        </pc:cxnChg>
+        <pc:cxnChg chg="add mod">
+          <ac:chgData name="苑 润泽" userId="0783eeab76cf4181" providerId="LiveId" clId="{C26F6432-BD0C-445F-944C-19DC2E1410F8}" dt="2023-04-24T09:11:26.663" v="354" actId="108"/>
+          <ac:cxnSpMkLst>
+            <pc:docMk/>
+            <pc:sldMk cId="74029592" sldId="256"/>
+            <ac:cxnSpMk id="38" creationId="{FE639663-56B9-4A8B-F0CE-EDCD19EE821C}"/>
+          </ac:cxnSpMkLst>
+        </pc:cxnChg>
+        <pc:cxnChg chg="add mod">
+          <ac:chgData name="苑 润泽" userId="0783eeab76cf4181" providerId="LiveId" clId="{C26F6432-BD0C-445F-944C-19DC2E1410F8}" dt="2023-04-24T09:13:17.591" v="388" actId="1076"/>
+          <ac:cxnSpMkLst>
+            <pc:docMk/>
+            <pc:sldMk cId="74029592" sldId="256"/>
+            <ac:cxnSpMk id="40" creationId="{6E7CC7DC-21CD-7BBB-1B15-B26AA7A7E9A1}"/>
+          </ac:cxnSpMkLst>
+        </pc:cxnChg>
+        <pc:cxnChg chg="add mod">
+          <ac:chgData name="苑 润泽" userId="0783eeab76cf4181" providerId="LiveId" clId="{C26F6432-BD0C-445F-944C-19DC2E1410F8}" dt="2023-04-24T09:13:25.164" v="390" actId="14100"/>
+          <ac:cxnSpMkLst>
+            <pc:docMk/>
+            <pc:sldMk cId="74029592" sldId="256"/>
+            <ac:cxnSpMk id="42" creationId="{3434DF3E-E6A7-7989-8BEC-824A3EC3BD7E}"/>
           </ac:cxnSpMkLst>
         </pc:cxnChg>
       </pc:sldChg>
@@ -616,7 +784,7 @@
           <a:p>
             <a:fld id="{BAC91C34-6639-4DD4-900A-63F16846AAE4}" type="datetimeFigureOut">
               <a:rPr lang="zh-CN" altLang="en-US" smtClean="0"/>
-              <a:t>2023/4/15</a:t>
+              <a:t>2023/4/24</a:t>
             </a:fld>
             <a:endParaRPr lang="zh-CN" altLang="en-US"/>
           </a:p>
@@ -814,7 +982,7 @@
           <a:p>
             <a:fld id="{BAC91C34-6639-4DD4-900A-63F16846AAE4}" type="datetimeFigureOut">
               <a:rPr lang="zh-CN" altLang="en-US" smtClean="0"/>
-              <a:t>2023/4/15</a:t>
+              <a:t>2023/4/24</a:t>
             </a:fld>
             <a:endParaRPr lang="zh-CN" altLang="en-US"/>
           </a:p>
@@ -1022,7 +1190,7 @@
           <a:p>
             <a:fld id="{BAC91C34-6639-4DD4-900A-63F16846AAE4}" type="datetimeFigureOut">
               <a:rPr lang="zh-CN" altLang="en-US" smtClean="0"/>
-              <a:t>2023/4/15</a:t>
+              <a:t>2023/4/24</a:t>
             </a:fld>
             <a:endParaRPr lang="zh-CN" altLang="en-US"/>
           </a:p>
@@ -1220,7 +1388,7 @@
           <a:p>
             <a:fld id="{BAC91C34-6639-4DD4-900A-63F16846AAE4}" type="datetimeFigureOut">
               <a:rPr lang="zh-CN" altLang="en-US" smtClean="0"/>
-              <a:t>2023/4/15</a:t>
+              <a:t>2023/4/24</a:t>
             </a:fld>
             <a:endParaRPr lang="zh-CN" altLang="en-US"/>
           </a:p>
@@ -1495,7 +1663,7 @@
           <a:p>
             <a:fld id="{BAC91C34-6639-4DD4-900A-63F16846AAE4}" type="datetimeFigureOut">
               <a:rPr lang="zh-CN" altLang="en-US" smtClean="0"/>
-              <a:t>2023/4/15</a:t>
+              <a:t>2023/4/24</a:t>
             </a:fld>
             <a:endParaRPr lang="zh-CN" altLang="en-US"/>
           </a:p>
@@ -1760,7 +1928,7 @@
           <a:p>
             <a:fld id="{BAC91C34-6639-4DD4-900A-63F16846AAE4}" type="datetimeFigureOut">
               <a:rPr lang="zh-CN" altLang="en-US" smtClean="0"/>
-              <a:t>2023/4/15</a:t>
+              <a:t>2023/4/24</a:t>
             </a:fld>
             <a:endParaRPr lang="zh-CN" altLang="en-US"/>
           </a:p>
@@ -2172,7 +2340,7 @@
           <a:p>
             <a:fld id="{BAC91C34-6639-4DD4-900A-63F16846AAE4}" type="datetimeFigureOut">
               <a:rPr lang="zh-CN" altLang="en-US" smtClean="0"/>
-              <a:t>2023/4/15</a:t>
+              <a:t>2023/4/24</a:t>
             </a:fld>
             <a:endParaRPr lang="zh-CN" altLang="en-US"/>
           </a:p>
@@ -2313,7 +2481,7 @@
           <a:p>
             <a:fld id="{BAC91C34-6639-4DD4-900A-63F16846AAE4}" type="datetimeFigureOut">
               <a:rPr lang="zh-CN" altLang="en-US" smtClean="0"/>
-              <a:t>2023/4/15</a:t>
+              <a:t>2023/4/24</a:t>
             </a:fld>
             <a:endParaRPr lang="zh-CN" altLang="en-US"/>
           </a:p>
@@ -2426,7 +2594,7 @@
           <a:p>
             <a:fld id="{BAC91C34-6639-4DD4-900A-63F16846AAE4}" type="datetimeFigureOut">
               <a:rPr lang="zh-CN" altLang="en-US" smtClean="0"/>
-              <a:t>2023/4/15</a:t>
+              <a:t>2023/4/24</a:t>
             </a:fld>
             <a:endParaRPr lang="zh-CN" altLang="en-US"/>
           </a:p>
@@ -2737,7 +2905,7 @@
           <a:p>
             <a:fld id="{BAC91C34-6639-4DD4-900A-63F16846AAE4}" type="datetimeFigureOut">
               <a:rPr lang="zh-CN" altLang="en-US" smtClean="0"/>
-              <a:t>2023/4/15</a:t>
+              <a:t>2023/4/24</a:t>
             </a:fld>
             <a:endParaRPr lang="zh-CN" altLang="en-US"/>
           </a:p>
@@ -3025,7 +3193,7 @@
           <a:p>
             <a:fld id="{BAC91C34-6639-4DD4-900A-63F16846AAE4}" type="datetimeFigureOut">
               <a:rPr lang="zh-CN" altLang="en-US" smtClean="0"/>
-              <a:t>2023/4/15</a:t>
+              <a:t>2023/4/24</a:t>
             </a:fld>
             <a:endParaRPr lang="zh-CN" altLang="en-US"/>
           </a:p>
@@ -3266,7 +3434,7 @@
           <a:p>
             <a:fld id="{BAC91C34-6639-4DD4-900A-63F16846AAE4}" type="datetimeFigureOut">
               <a:rPr lang="zh-CN" altLang="en-US" smtClean="0"/>
-              <a:t>2023/4/15</a:t>
+              <a:t>2023/4/24</a:t>
             </a:fld>
             <a:endParaRPr lang="zh-CN" altLang="en-US"/>
           </a:p>
@@ -4440,6 +4608,811 @@
           </a:p>
         </p:txBody>
       </p:sp>
+      <p:cxnSp>
+        <p:nvCxnSpPr>
+          <p:cNvPr id="7" name="直接箭头连接符 6">
+            <a:extLst>
+              <a:ext uri="{FF2B5EF4-FFF2-40B4-BE49-F238E27FC236}">
+                <a16:creationId xmlns:a16="http://schemas.microsoft.com/office/drawing/2014/main" id="{D41788F6-2F25-F6CC-E363-8EE044D7AE54}"/>
+              </a:ext>
+            </a:extLst>
+          </p:cNvPr>
+          <p:cNvCxnSpPr>
+            <a:cxnSpLocks/>
+            <a:endCxn id="32" idx="1"/>
+          </p:cNvCxnSpPr>
+          <p:nvPr/>
+        </p:nvCxnSpPr>
+        <p:spPr>
+          <a:xfrm>
+            <a:off x="2859791" y="4697309"/>
+            <a:ext cx="1329210" cy="0"/>
+          </a:xfrm>
+          <a:prstGeom prst="straightConnector1">
+            <a:avLst/>
+          </a:prstGeom>
+          <a:ln>
+            <a:solidFill>
+              <a:schemeClr val="tx1"/>
+            </a:solidFill>
+            <a:tailEnd type="triangle"/>
+          </a:ln>
+        </p:spPr>
+        <p:style>
+          <a:lnRef idx="1">
+            <a:schemeClr val="accent1"/>
+          </a:lnRef>
+          <a:fillRef idx="0">
+            <a:schemeClr val="accent1"/>
+          </a:fillRef>
+          <a:effectRef idx="0">
+            <a:schemeClr val="accent1"/>
+          </a:effectRef>
+          <a:fontRef idx="minor">
+            <a:schemeClr val="tx1"/>
+          </a:fontRef>
+        </p:style>
+      </p:cxnSp>
+      <p:sp>
+        <p:nvSpPr>
+          <p:cNvPr id="8" name="流程图: 汇总连接 7">
+            <a:extLst>
+              <a:ext uri="{FF2B5EF4-FFF2-40B4-BE49-F238E27FC236}">
+                <a16:creationId xmlns:a16="http://schemas.microsoft.com/office/drawing/2014/main" id="{57D70EF9-04AA-8126-D745-78FFA9039058}"/>
+              </a:ext>
+            </a:extLst>
+          </p:cNvPr>
+          <p:cNvSpPr/>
+          <p:nvPr/>
+        </p:nvSpPr>
+        <p:spPr>
+          <a:xfrm>
+            <a:off x="5639381" y="4508024"/>
+            <a:ext cx="378572" cy="378572"/>
+          </a:xfrm>
+          <a:prstGeom prst="flowChartSummingJunction">
+            <a:avLst/>
+          </a:prstGeom>
+          <a:solidFill>
+            <a:schemeClr val="bg1"/>
+          </a:solidFill>
+          <a:ln>
+            <a:solidFill>
+              <a:schemeClr val="tx1"/>
+            </a:solidFill>
+          </a:ln>
+        </p:spPr>
+        <p:style>
+          <a:lnRef idx="2">
+            <a:schemeClr val="accent1">
+              <a:shade val="50000"/>
+            </a:schemeClr>
+          </a:lnRef>
+          <a:fillRef idx="1">
+            <a:schemeClr val="accent1"/>
+          </a:fillRef>
+          <a:effectRef idx="0">
+            <a:schemeClr val="accent1"/>
+          </a:effectRef>
+          <a:fontRef idx="minor">
+            <a:schemeClr val="lt1"/>
+          </a:fontRef>
+        </p:style>
+        <p:txBody>
+          <a:bodyPr rtlCol="0" anchor="ctr"/>
+          <a:lstStyle/>
+          <a:p>
+            <a:pPr algn="ctr"/>
+            <a:endParaRPr lang="zh-CN" altLang="en-US"/>
+          </a:p>
+        </p:txBody>
+      </p:sp>
+      <p:sp>
+        <p:nvSpPr>
+          <p:cNvPr id="9" name="文本框 8">
+            <a:extLst>
+              <a:ext uri="{FF2B5EF4-FFF2-40B4-BE49-F238E27FC236}">
+                <a16:creationId xmlns:a16="http://schemas.microsoft.com/office/drawing/2014/main" id="{6CB216A0-A20E-3738-5230-85ABC0486821}"/>
+              </a:ext>
+            </a:extLst>
+          </p:cNvPr>
+          <p:cNvSpPr txBox="1"/>
+          <p:nvPr/>
+        </p:nvSpPr>
+        <p:spPr>
+          <a:xfrm>
+            <a:off x="5593230" y="4158011"/>
+            <a:ext cx="338554" cy="369332"/>
+          </a:xfrm>
+          <a:prstGeom prst="rect">
+            <a:avLst/>
+          </a:prstGeom>
+          <a:noFill/>
+        </p:spPr>
+        <p:txBody>
+          <a:bodyPr wrap="none" rtlCol="0">
+            <a:spAutoFit/>
+          </a:bodyPr>
+          <a:lstStyle/>
+          <a:p>
+            <a:r>
+              <a:rPr lang="en-US" altLang="zh-CN" dirty="0"/>
+              <a:t>+</a:t>
+            </a:r>
+            <a:endParaRPr lang="zh-CN" altLang="en-US" dirty="0"/>
+          </a:p>
+        </p:txBody>
+      </p:sp>
+      <p:sp>
+        <p:nvSpPr>
+          <p:cNvPr id="14" name="矩形 13">
+            <a:extLst>
+              <a:ext uri="{FF2B5EF4-FFF2-40B4-BE49-F238E27FC236}">
+                <a16:creationId xmlns:a16="http://schemas.microsoft.com/office/drawing/2014/main" id="{A1D9CD7C-348E-BE32-0A9A-CF23FD7F4173}"/>
+              </a:ext>
+            </a:extLst>
+          </p:cNvPr>
+          <p:cNvSpPr/>
+          <p:nvPr/>
+        </p:nvSpPr>
+        <p:spPr>
+          <a:xfrm>
+            <a:off x="6859693" y="4441451"/>
+            <a:ext cx="1252204" cy="511717"/>
+          </a:xfrm>
+          <a:prstGeom prst="rect">
+            <a:avLst/>
+          </a:prstGeom>
+          <a:solidFill>
+            <a:schemeClr val="bg1"/>
+          </a:solidFill>
+          <a:ln>
+            <a:solidFill>
+              <a:schemeClr val="tx1"/>
+            </a:solidFill>
+          </a:ln>
+        </p:spPr>
+        <p:style>
+          <a:lnRef idx="2">
+            <a:schemeClr val="accent1">
+              <a:shade val="50000"/>
+            </a:schemeClr>
+          </a:lnRef>
+          <a:fillRef idx="1">
+            <a:schemeClr val="accent1"/>
+          </a:fillRef>
+          <a:effectRef idx="0">
+            <a:schemeClr val="accent1"/>
+          </a:effectRef>
+          <a:fontRef idx="minor">
+            <a:schemeClr val="lt1"/>
+          </a:fontRef>
+        </p:style>
+        <p:txBody>
+          <a:bodyPr rtlCol="0" anchor="ctr"/>
+          <a:lstStyle/>
+          <a:p>
+            <a:pPr algn="ctr"/>
+            <a:r>
+              <a:rPr lang="en-US" altLang="zh-CN" dirty="0">
+                <a:solidFill>
+                  <a:schemeClr val="tx1"/>
+                </a:solidFill>
+                <a:latin typeface="Times New Roman" panose="02020603050405020304" pitchFamily="18" charset="0"/>
+                <a:cs typeface="Times New Roman" panose="02020603050405020304" pitchFamily="18" charset="0"/>
+              </a:rPr>
+              <a:t>Plant</a:t>
+            </a:r>
+            <a:endParaRPr lang="zh-CN" altLang="en-US" dirty="0">
+              <a:solidFill>
+                <a:schemeClr val="tx1"/>
+              </a:solidFill>
+              <a:latin typeface="Times New Roman" panose="02020603050405020304" pitchFamily="18" charset="0"/>
+              <a:cs typeface="Times New Roman" panose="02020603050405020304" pitchFamily="18" charset="0"/>
+            </a:endParaRPr>
+          </a:p>
+        </p:txBody>
+      </p:sp>
+      <p:cxnSp>
+        <p:nvCxnSpPr>
+          <p:cNvPr id="15" name="直接箭头连接符 14">
+            <a:extLst>
+              <a:ext uri="{FF2B5EF4-FFF2-40B4-BE49-F238E27FC236}">
+                <a16:creationId xmlns:a16="http://schemas.microsoft.com/office/drawing/2014/main" id="{12F864C5-39B7-51CE-05D0-5B513B2101FC}"/>
+              </a:ext>
+            </a:extLst>
+          </p:cNvPr>
+          <p:cNvCxnSpPr>
+            <a:cxnSpLocks/>
+            <a:stCxn id="8" idx="6"/>
+            <a:endCxn id="14" idx="1"/>
+          </p:cNvCxnSpPr>
+          <p:nvPr/>
+        </p:nvCxnSpPr>
+        <p:spPr>
+          <a:xfrm>
+            <a:off x="6017953" y="4697310"/>
+            <a:ext cx="841740" cy="0"/>
+          </a:xfrm>
+          <a:prstGeom prst="straightConnector1">
+            <a:avLst/>
+          </a:prstGeom>
+          <a:ln>
+            <a:solidFill>
+              <a:schemeClr val="tx1"/>
+            </a:solidFill>
+            <a:tailEnd type="triangle"/>
+          </a:ln>
+        </p:spPr>
+        <p:style>
+          <a:lnRef idx="1">
+            <a:schemeClr val="accent1"/>
+          </a:lnRef>
+          <a:fillRef idx="0">
+            <a:schemeClr val="accent1"/>
+          </a:fillRef>
+          <a:effectRef idx="0">
+            <a:schemeClr val="accent1"/>
+          </a:effectRef>
+          <a:fontRef idx="minor">
+            <a:schemeClr val="tx1"/>
+          </a:fontRef>
+        </p:style>
+      </p:cxnSp>
+      <p:sp>
+        <p:nvSpPr>
+          <p:cNvPr id="16" name="矩形 15">
+            <a:extLst>
+              <a:ext uri="{FF2B5EF4-FFF2-40B4-BE49-F238E27FC236}">
+                <a16:creationId xmlns:a16="http://schemas.microsoft.com/office/drawing/2014/main" id="{D663400D-0C9B-FE93-6AEA-66827B4200C1}"/>
+              </a:ext>
+            </a:extLst>
+          </p:cNvPr>
+          <p:cNvSpPr/>
+          <p:nvPr/>
+        </p:nvSpPr>
+        <p:spPr>
+          <a:xfrm>
+            <a:off x="2859791" y="4252165"/>
+            <a:ext cx="1252204" cy="511717"/>
+          </a:xfrm>
+          <a:prstGeom prst="rect">
+            <a:avLst/>
+          </a:prstGeom>
+          <a:noFill/>
+          <a:ln>
+            <a:noFill/>
+          </a:ln>
+        </p:spPr>
+        <p:style>
+          <a:lnRef idx="2">
+            <a:schemeClr val="accent1">
+              <a:shade val="50000"/>
+            </a:schemeClr>
+          </a:lnRef>
+          <a:fillRef idx="1">
+            <a:schemeClr val="accent1"/>
+          </a:fillRef>
+          <a:effectRef idx="0">
+            <a:schemeClr val="accent1"/>
+          </a:effectRef>
+          <a:fontRef idx="minor">
+            <a:schemeClr val="lt1"/>
+          </a:fontRef>
+        </p:style>
+        <p:txBody>
+          <a:bodyPr rtlCol="0" anchor="ctr"/>
+          <a:lstStyle/>
+          <a:p>
+            <a:pPr algn="ctr"/>
+            <a:r>
+              <a:rPr lang="en-US" altLang="zh-CN" dirty="0">
+                <a:solidFill>
+                  <a:schemeClr val="tx1"/>
+                </a:solidFill>
+                <a:latin typeface="Times New Roman" panose="02020603050405020304" pitchFamily="18" charset="0"/>
+                <a:cs typeface="Times New Roman" panose="02020603050405020304" pitchFamily="18" charset="0"/>
+              </a:rPr>
+              <a:t>Input</a:t>
+            </a:r>
+            <a:endParaRPr lang="zh-CN" altLang="en-US" dirty="0">
+              <a:solidFill>
+                <a:schemeClr val="tx1"/>
+              </a:solidFill>
+              <a:latin typeface="Times New Roman" panose="02020603050405020304" pitchFamily="18" charset="0"/>
+              <a:cs typeface="Times New Roman" panose="02020603050405020304" pitchFamily="18" charset="0"/>
+            </a:endParaRPr>
+          </a:p>
+        </p:txBody>
+      </p:sp>
+      <p:cxnSp>
+        <p:nvCxnSpPr>
+          <p:cNvPr id="17" name="直接箭头连接符 16">
+            <a:extLst>
+              <a:ext uri="{FF2B5EF4-FFF2-40B4-BE49-F238E27FC236}">
+                <a16:creationId xmlns:a16="http://schemas.microsoft.com/office/drawing/2014/main" id="{E0D3CFC8-10CF-AA1A-9167-C667026112E2}"/>
+              </a:ext>
+            </a:extLst>
+          </p:cNvPr>
+          <p:cNvCxnSpPr>
+            <a:cxnSpLocks/>
+            <a:stCxn id="14" idx="3"/>
+          </p:cNvCxnSpPr>
+          <p:nvPr/>
+        </p:nvCxnSpPr>
+        <p:spPr>
+          <a:xfrm>
+            <a:off x="8111897" y="4697310"/>
+            <a:ext cx="1220312" cy="0"/>
+          </a:xfrm>
+          <a:prstGeom prst="straightConnector1">
+            <a:avLst/>
+          </a:prstGeom>
+          <a:ln>
+            <a:solidFill>
+              <a:schemeClr val="tx1"/>
+            </a:solidFill>
+            <a:tailEnd type="triangle"/>
+          </a:ln>
+        </p:spPr>
+        <p:style>
+          <a:lnRef idx="1">
+            <a:schemeClr val="accent1"/>
+          </a:lnRef>
+          <a:fillRef idx="0">
+            <a:schemeClr val="accent1"/>
+          </a:fillRef>
+          <a:effectRef idx="0">
+            <a:schemeClr val="accent1"/>
+          </a:effectRef>
+          <a:fontRef idx="minor">
+            <a:schemeClr val="tx1"/>
+          </a:fontRef>
+        </p:style>
+      </p:cxnSp>
+      <p:sp>
+        <p:nvSpPr>
+          <p:cNvPr id="18" name="矩形 17">
+            <a:extLst>
+              <a:ext uri="{FF2B5EF4-FFF2-40B4-BE49-F238E27FC236}">
+                <a16:creationId xmlns:a16="http://schemas.microsoft.com/office/drawing/2014/main" id="{561B4159-4FDF-625D-F551-52268E035573}"/>
+              </a:ext>
+            </a:extLst>
+          </p:cNvPr>
+          <p:cNvSpPr/>
+          <p:nvPr/>
+        </p:nvSpPr>
+        <p:spPr>
+          <a:xfrm>
+            <a:off x="8080005" y="4086819"/>
+            <a:ext cx="1252204" cy="511717"/>
+          </a:xfrm>
+          <a:prstGeom prst="rect">
+            <a:avLst/>
+          </a:prstGeom>
+          <a:noFill/>
+          <a:ln>
+            <a:noFill/>
+          </a:ln>
+        </p:spPr>
+        <p:style>
+          <a:lnRef idx="2">
+            <a:schemeClr val="accent1">
+              <a:shade val="50000"/>
+            </a:schemeClr>
+          </a:lnRef>
+          <a:fillRef idx="1">
+            <a:schemeClr val="accent1"/>
+          </a:fillRef>
+          <a:effectRef idx="0">
+            <a:schemeClr val="accent1"/>
+          </a:effectRef>
+          <a:fontRef idx="minor">
+            <a:schemeClr val="lt1"/>
+          </a:fontRef>
+        </p:style>
+        <p:txBody>
+          <a:bodyPr rtlCol="0" anchor="ctr"/>
+          <a:lstStyle/>
+          <a:p>
+            <a:pPr algn="ctr"/>
+            <a:r>
+              <a:rPr lang="en-US" altLang="zh-CN" dirty="0">
+                <a:solidFill>
+                  <a:schemeClr val="tx1"/>
+                </a:solidFill>
+                <a:latin typeface="Times New Roman" panose="02020603050405020304" pitchFamily="18" charset="0"/>
+                <a:cs typeface="Times New Roman" panose="02020603050405020304" pitchFamily="18" charset="0"/>
+              </a:rPr>
+              <a:t>Output</a:t>
+            </a:r>
+            <a:endParaRPr lang="zh-CN" altLang="en-US" dirty="0">
+              <a:solidFill>
+                <a:schemeClr val="tx1"/>
+              </a:solidFill>
+              <a:latin typeface="Times New Roman" panose="02020603050405020304" pitchFamily="18" charset="0"/>
+              <a:cs typeface="Times New Roman" panose="02020603050405020304" pitchFamily="18" charset="0"/>
+            </a:endParaRPr>
+          </a:p>
+        </p:txBody>
+      </p:sp>
+      <p:sp>
+        <p:nvSpPr>
+          <p:cNvPr id="22" name="文本框 21">
+            <a:extLst>
+              <a:ext uri="{FF2B5EF4-FFF2-40B4-BE49-F238E27FC236}">
+                <a16:creationId xmlns:a16="http://schemas.microsoft.com/office/drawing/2014/main" id="{DE18DC60-64D9-189F-8A6E-23C69297D8B6}"/>
+              </a:ext>
+            </a:extLst>
+          </p:cNvPr>
+          <p:cNvSpPr txBox="1"/>
+          <p:nvPr/>
+        </p:nvSpPr>
+        <p:spPr>
+          <a:xfrm>
+            <a:off x="5945959" y="4829859"/>
+            <a:ext cx="338554" cy="369332"/>
+          </a:xfrm>
+          <a:prstGeom prst="rect">
+            <a:avLst/>
+          </a:prstGeom>
+          <a:noFill/>
+        </p:spPr>
+        <p:txBody>
+          <a:bodyPr wrap="none" rtlCol="0">
+            <a:spAutoFit/>
+          </a:bodyPr>
+          <a:lstStyle/>
+          <a:p>
+            <a:r>
+              <a:rPr lang="en-US" altLang="zh-CN" dirty="0"/>
+              <a:t>+</a:t>
+            </a:r>
+            <a:endParaRPr lang="zh-CN" altLang="en-US" dirty="0"/>
+          </a:p>
+        </p:txBody>
+      </p:sp>
+      <p:sp>
+        <p:nvSpPr>
+          <p:cNvPr id="25" name="矩形 24">
+            <a:extLst>
+              <a:ext uri="{FF2B5EF4-FFF2-40B4-BE49-F238E27FC236}">
+                <a16:creationId xmlns:a16="http://schemas.microsoft.com/office/drawing/2014/main" id="{58FD0C03-54FF-3B80-CF2D-2B8EAD24B19F}"/>
+              </a:ext>
+            </a:extLst>
+          </p:cNvPr>
+          <p:cNvSpPr/>
+          <p:nvPr/>
+        </p:nvSpPr>
+        <p:spPr>
+          <a:xfrm>
+            <a:off x="6258584" y="5021335"/>
+            <a:ext cx="1892565" cy="511717"/>
+          </a:xfrm>
+          <a:prstGeom prst="rect">
+            <a:avLst/>
+          </a:prstGeom>
+          <a:noFill/>
+          <a:ln>
+            <a:noFill/>
+          </a:ln>
+        </p:spPr>
+        <p:style>
+          <a:lnRef idx="2">
+            <a:schemeClr val="accent1">
+              <a:shade val="50000"/>
+            </a:schemeClr>
+          </a:lnRef>
+          <a:fillRef idx="1">
+            <a:schemeClr val="accent1"/>
+          </a:fillRef>
+          <a:effectRef idx="0">
+            <a:schemeClr val="accent1"/>
+          </a:effectRef>
+          <a:fontRef idx="minor">
+            <a:schemeClr val="lt1"/>
+          </a:fontRef>
+        </p:style>
+        <p:txBody>
+          <a:bodyPr rtlCol="0" anchor="ctr"/>
+          <a:lstStyle/>
+          <a:p>
+            <a:pPr algn="ctr"/>
+            <a:r>
+              <a:rPr lang="en-US" altLang="zh-CN" dirty="0">
+                <a:solidFill>
+                  <a:schemeClr val="tx1"/>
+                </a:solidFill>
+                <a:latin typeface="Times New Roman" panose="02020603050405020304" pitchFamily="18" charset="0"/>
+                <a:cs typeface="Times New Roman" panose="02020603050405020304" pitchFamily="18" charset="0"/>
+              </a:rPr>
+              <a:t>State Feedback</a:t>
+            </a:r>
+            <a:endParaRPr lang="zh-CN" altLang="en-US" dirty="0">
+              <a:solidFill>
+                <a:schemeClr val="tx1"/>
+              </a:solidFill>
+              <a:latin typeface="Times New Roman" panose="02020603050405020304" pitchFamily="18" charset="0"/>
+              <a:cs typeface="Times New Roman" panose="02020603050405020304" pitchFamily="18" charset="0"/>
+            </a:endParaRPr>
+          </a:p>
+        </p:txBody>
+      </p:sp>
+      <p:sp>
+        <p:nvSpPr>
+          <p:cNvPr id="31" name="矩形 30">
+            <a:extLst>
+              <a:ext uri="{FF2B5EF4-FFF2-40B4-BE49-F238E27FC236}">
+                <a16:creationId xmlns:a16="http://schemas.microsoft.com/office/drawing/2014/main" id="{069763D5-2797-1606-3E7F-467B9FF4A994}"/>
+              </a:ext>
+            </a:extLst>
+          </p:cNvPr>
+          <p:cNvSpPr/>
+          <p:nvPr/>
+        </p:nvSpPr>
+        <p:spPr>
+          <a:xfrm>
+            <a:off x="8367620" y="5211747"/>
+            <a:ext cx="586017" cy="511717"/>
+          </a:xfrm>
+          <a:prstGeom prst="rect">
+            <a:avLst/>
+          </a:prstGeom>
+          <a:solidFill>
+            <a:schemeClr val="bg1"/>
+          </a:solidFill>
+          <a:ln>
+            <a:solidFill>
+              <a:schemeClr val="tx1"/>
+            </a:solidFill>
+          </a:ln>
+        </p:spPr>
+        <p:style>
+          <a:lnRef idx="2">
+            <a:schemeClr val="accent1">
+              <a:shade val="50000"/>
+            </a:schemeClr>
+          </a:lnRef>
+          <a:fillRef idx="1">
+            <a:schemeClr val="accent1"/>
+          </a:fillRef>
+          <a:effectRef idx="0">
+            <a:schemeClr val="accent1"/>
+          </a:effectRef>
+          <a:fontRef idx="minor">
+            <a:schemeClr val="lt1"/>
+          </a:fontRef>
+        </p:style>
+        <p:txBody>
+          <a:bodyPr rtlCol="0" anchor="ctr"/>
+          <a:lstStyle/>
+          <a:p>
+            <a:pPr algn="ctr"/>
+            <a:r>
+              <a:rPr lang="en-US" altLang="zh-CN" dirty="0">
+                <a:solidFill>
+                  <a:schemeClr val="tx1"/>
+                </a:solidFill>
+                <a:latin typeface="Times New Roman" panose="02020603050405020304" pitchFamily="18" charset="0"/>
+                <a:cs typeface="Times New Roman" panose="02020603050405020304" pitchFamily="18" charset="0"/>
+              </a:rPr>
+              <a:t>Fs</a:t>
+            </a:r>
+            <a:endParaRPr lang="zh-CN" altLang="en-US" dirty="0">
+              <a:solidFill>
+                <a:schemeClr val="tx1"/>
+              </a:solidFill>
+              <a:latin typeface="Times New Roman" panose="02020603050405020304" pitchFamily="18" charset="0"/>
+              <a:cs typeface="Times New Roman" panose="02020603050405020304" pitchFamily="18" charset="0"/>
+            </a:endParaRPr>
+          </a:p>
+        </p:txBody>
+      </p:sp>
+      <p:sp>
+        <p:nvSpPr>
+          <p:cNvPr id="32" name="矩形 31">
+            <a:extLst>
+              <a:ext uri="{FF2B5EF4-FFF2-40B4-BE49-F238E27FC236}">
+                <a16:creationId xmlns:a16="http://schemas.microsoft.com/office/drawing/2014/main" id="{E4B5F4A0-2AEB-B72E-A640-90E24CD0142B}"/>
+              </a:ext>
+            </a:extLst>
+          </p:cNvPr>
+          <p:cNvSpPr/>
+          <p:nvPr/>
+        </p:nvSpPr>
+        <p:spPr>
+          <a:xfrm>
+            <a:off x="4189001" y="4441450"/>
+            <a:ext cx="586017" cy="511717"/>
+          </a:xfrm>
+          <a:prstGeom prst="rect">
+            <a:avLst/>
+          </a:prstGeom>
+          <a:solidFill>
+            <a:schemeClr val="bg1"/>
+          </a:solidFill>
+          <a:ln>
+            <a:solidFill>
+              <a:schemeClr val="tx1"/>
+            </a:solidFill>
+          </a:ln>
+        </p:spPr>
+        <p:style>
+          <a:lnRef idx="2">
+            <a:schemeClr val="accent1">
+              <a:shade val="50000"/>
+            </a:schemeClr>
+          </a:lnRef>
+          <a:fillRef idx="1">
+            <a:schemeClr val="accent1"/>
+          </a:fillRef>
+          <a:effectRef idx="0">
+            <a:schemeClr val="accent1"/>
+          </a:effectRef>
+          <a:fontRef idx="minor">
+            <a:schemeClr val="lt1"/>
+          </a:fontRef>
+        </p:style>
+        <p:txBody>
+          <a:bodyPr rtlCol="0" anchor="ctr"/>
+          <a:lstStyle/>
+          <a:p>
+            <a:pPr algn="ctr"/>
+            <a:r>
+              <a:rPr lang="en-US" altLang="zh-CN" dirty="0">
+                <a:solidFill>
+                  <a:schemeClr val="tx1"/>
+                </a:solidFill>
+                <a:latin typeface="Times New Roman" panose="02020603050405020304" pitchFamily="18" charset="0"/>
+                <a:cs typeface="Times New Roman" panose="02020603050405020304" pitchFamily="18" charset="0"/>
+              </a:rPr>
+              <a:t>H</a:t>
+            </a:r>
+            <a:endParaRPr lang="zh-CN" altLang="en-US" dirty="0">
+              <a:solidFill>
+                <a:schemeClr val="tx1"/>
+              </a:solidFill>
+              <a:latin typeface="Times New Roman" panose="02020603050405020304" pitchFamily="18" charset="0"/>
+              <a:cs typeface="Times New Roman" panose="02020603050405020304" pitchFamily="18" charset="0"/>
+            </a:endParaRPr>
+          </a:p>
+        </p:txBody>
+      </p:sp>
+      <p:cxnSp>
+        <p:nvCxnSpPr>
+          <p:cNvPr id="38" name="直接箭头连接符 37">
+            <a:extLst>
+              <a:ext uri="{FF2B5EF4-FFF2-40B4-BE49-F238E27FC236}">
+                <a16:creationId xmlns:a16="http://schemas.microsoft.com/office/drawing/2014/main" id="{FE639663-56B9-4A8B-F0CE-EDCD19EE821C}"/>
+              </a:ext>
+            </a:extLst>
+          </p:cNvPr>
+          <p:cNvCxnSpPr>
+            <a:stCxn id="32" idx="3"/>
+            <a:endCxn id="8" idx="2"/>
+          </p:cNvCxnSpPr>
+          <p:nvPr/>
+        </p:nvCxnSpPr>
+        <p:spPr>
+          <a:xfrm>
+            <a:off x="4775018" y="4697309"/>
+            <a:ext cx="864363" cy="1"/>
+          </a:xfrm>
+          <a:prstGeom prst="straightConnector1">
+            <a:avLst/>
+          </a:prstGeom>
+          <a:ln>
+            <a:solidFill>
+              <a:schemeClr val="tx1"/>
+            </a:solidFill>
+            <a:tailEnd type="triangle"/>
+          </a:ln>
+        </p:spPr>
+        <p:style>
+          <a:lnRef idx="1">
+            <a:schemeClr val="accent1"/>
+          </a:lnRef>
+          <a:fillRef idx="0">
+            <a:schemeClr val="accent1"/>
+          </a:fillRef>
+          <a:effectRef idx="0">
+            <a:schemeClr val="accent1"/>
+          </a:effectRef>
+          <a:fontRef idx="minor">
+            <a:schemeClr val="tx1"/>
+          </a:fontRef>
+        </p:style>
+      </p:cxnSp>
+      <p:cxnSp>
+        <p:nvCxnSpPr>
+          <p:cNvPr id="40" name="连接符: 肘形 39">
+            <a:extLst>
+              <a:ext uri="{FF2B5EF4-FFF2-40B4-BE49-F238E27FC236}">
+                <a16:creationId xmlns:a16="http://schemas.microsoft.com/office/drawing/2014/main" id="{6E7CC7DC-21CD-7BBB-1B15-B26AA7A7E9A1}"/>
+              </a:ext>
+            </a:extLst>
+          </p:cNvPr>
+          <p:cNvCxnSpPr>
+            <a:stCxn id="31" idx="1"/>
+            <a:endCxn id="8" idx="4"/>
+          </p:cNvCxnSpPr>
+          <p:nvPr/>
+        </p:nvCxnSpPr>
+        <p:spPr>
+          <a:xfrm rot="10800000">
+            <a:off x="5828668" y="4886596"/>
+            <a:ext cx="2538953" cy="581010"/>
+          </a:xfrm>
+          <a:prstGeom prst="bentConnector2">
+            <a:avLst/>
+          </a:prstGeom>
+          <a:ln>
+            <a:solidFill>
+              <a:schemeClr val="tx1"/>
+            </a:solidFill>
+            <a:tailEnd type="triangle"/>
+          </a:ln>
+        </p:spPr>
+        <p:style>
+          <a:lnRef idx="1">
+            <a:schemeClr val="accent1"/>
+          </a:lnRef>
+          <a:fillRef idx="0">
+            <a:schemeClr val="accent1"/>
+          </a:fillRef>
+          <a:effectRef idx="0">
+            <a:schemeClr val="accent1"/>
+          </a:effectRef>
+          <a:fontRef idx="minor">
+            <a:schemeClr val="tx1"/>
+          </a:fontRef>
+        </p:style>
+      </p:cxnSp>
+      <p:cxnSp>
+        <p:nvCxnSpPr>
+          <p:cNvPr id="42" name="直接箭头连接符 41">
+            <a:extLst>
+              <a:ext uri="{FF2B5EF4-FFF2-40B4-BE49-F238E27FC236}">
+                <a16:creationId xmlns:a16="http://schemas.microsoft.com/office/drawing/2014/main" id="{3434DF3E-E6A7-7989-8BEC-824A3EC3BD7E}"/>
+              </a:ext>
+            </a:extLst>
+          </p:cNvPr>
+          <p:cNvCxnSpPr>
+            <a:cxnSpLocks/>
+            <a:endCxn id="31" idx="0"/>
+          </p:cNvCxnSpPr>
+          <p:nvPr/>
+        </p:nvCxnSpPr>
+        <p:spPr>
+          <a:xfrm>
+            <a:off x="8660629" y="4697308"/>
+            <a:ext cx="0" cy="514439"/>
+          </a:xfrm>
+          <a:prstGeom prst="straightConnector1">
+            <a:avLst/>
+          </a:prstGeom>
+          <a:ln>
+            <a:solidFill>
+              <a:schemeClr val="tx1"/>
+            </a:solidFill>
+            <a:tailEnd type="triangle"/>
+          </a:ln>
+        </p:spPr>
+        <p:style>
+          <a:lnRef idx="1">
+            <a:schemeClr val="accent1"/>
+          </a:lnRef>
+          <a:fillRef idx="0">
+            <a:schemeClr val="accent1"/>
+          </a:fillRef>
+          <a:effectRef idx="0">
+            <a:schemeClr val="accent1"/>
+          </a:effectRef>
+          <a:fontRef idx="minor">
+            <a:schemeClr val="tx1"/>
+          </a:fontRef>
+        </p:style>
+      </p:cxnSp>
     </p:spTree>
     <p:extLst>
       <p:ext uri="{BB962C8B-B14F-4D97-AF65-F5344CB8AC3E}">
